--- a/Slides/slide07_v1.2.pptx
+++ b/Slides/slide07_v1.2.pptx
@@ -168,6 +168,36 @@
       </a:defRPr>
     </a:lvl9pPr>
   </p:defaultTextStyle>
+  <p:extLst>
+    <p:ext uri="{EFAFB233-063F-42B5-8137-9DF3F51BA10A}">
+      <p15:sldGuideLst xmlns:p15="http://schemas.microsoft.com/office/powerpoint/2012/main">
+        <p15:guide id="1" orient="horz" pos="624">
+          <p15:clr>
+            <a:srgbClr val="A4A3A4"/>
+          </p15:clr>
+        </p15:guide>
+        <p15:guide id="2">
+          <p15:clr>
+            <a:srgbClr val="A4A3A4"/>
+          </p15:clr>
+        </p15:guide>
+      </p15:sldGuideLst>
+    </p:ext>
+    <p:ext uri="{2D200454-40CA-4A62-9FC3-DE9A4176ACB9}">
+      <p15:notesGuideLst xmlns:p15="http://schemas.microsoft.com/office/powerpoint/2012/main">
+        <p15:guide id="1" orient="horz" pos="3024">
+          <p15:clr>
+            <a:srgbClr val="A4A3A4"/>
+          </p15:clr>
+        </p15:guide>
+        <p15:guide id="2" pos="2304">
+          <p15:clr>
+            <a:srgbClr val="A4A3A4"/>
+          </p15:clr>
+        </p15:guide>
+      </p15:notesGuideLst>
+    </p:ext>
+  </p:extLst>
 </p:presentation>
 </file>
 
@@ -535,6 +565,11 @@
         </p:txBody>
       </p:sp>
     </p:spTree>
+    <p:extLst>
+      <p:ext uri="{BB962C8B-B14F-4D97-AF65-F5344CB8AC3E}">
+        <p14:creationId xmlns:p14="http://schemas.microsoft.com/office/powerpoint/2010/main" val="3375421397"/>
+      </p:ext>
+    </p:extLst>
   </p:cSld>
   <p:clrMap bg1="lt1" tx1="dk1" bg2="lt2" tx2="dk2" accent1="accent1" accent2="accent2" accent3="accent3" accent4="accent4" accent5="accent5" accent6="accent6" hlink="hlink" folHlink="folHlink"/>
 </p:handoutMaster>
@@ -889,6 +924,11 @@
         </p:txBody>
       </p:sp>
     </p:spTree>
+    <p:extLst>
+      <p:ext uri="{BB962C8B-B14F-4D97-AF65-F5344CB8AC3E}">
+        <p14:creationId xmlns:p14="http://schemas.microsoft.com/office/powerpoint/2010/main" val="2204354068"/>
+      </p:ext>
+    </p:extLst>
   </p:cSld>
   <p:clrMap bg1="lt1" tx1="dk1" bg2="lt2" tx2="dk2" accent1="accent1" accent2="accent2" accent3="accent3" accent4="accent4" accent5="accent5" accent6="accent6" hlink="hlink" folHlink="folHlink"/>
   <p:notesStyle>
@@ -1070,6 +1110,11 @@
         </p:txBody>
       </p:sp>
     </p:spTree>
+    <p:extLst>
+      <p:ext uri="{BB962C8B-B14F-4D97-AF65-F5344CB8AC3E}">
+        <p14:creationId xmlns:p14="http://schemas.microsoft.com/office/powerpoint/2010/main" val="2402286667"/>
+      </p:ext>
+    </p:extLst>
   </p:cSld>
   <p:clrMapOvr>
     <a:masterClrMapping/>
@@ -1157,6 +1202,11 @@
         </p:txBody>
       </p:sp>
     </p:spTree>
+    <p:extLst>
+      <p:ext uri="{BB962C8B-B14F-4D97-AF65-F5344CB8AC3E}">
+        <p14:creationId xmlns:p14="http://schemas.microsoft.com/office/powerpoint/2010/main" val="1887766358"/>
+      </p:ext>
+    </p:extLst>
   </p:cSld>
   <p:clrMapOvr>
     <a:masterClrMapping/>
@@ -1244,6 +1294,11 @@
         </p:txBody>
       </p:sp>
     </p:spTree>
+    <p:extLst>
+      <p:ext uri="{BB962C8B-B14F-4D97-AF65-F5344CB8AC3E}">
+        <p14:creationId xmlns:p14="http://schemas.microsoft.com/office/powerpoint/2010/main" val="3100554529"/>
+      </p:ext>
+    </p:extLst>
   </p:cSld>
   <p:clrMapOvr>
     <a:masterClrMapping/>
@@ -1252,6 +1307,339 @@
 </file>
 
 <file path=ppt/notesSlides/notesSlide4.xml><?xml version="1.0" encoding="utf-8"?>
+<p:notes xmlns:a="http://schemas.openxmlformats.org/drawingml/2006/main" xmlns:r="http://schemas.openxmlformats.org/officeDocument/2006/relationships" xmlns:p="http://schemas.openxmlformats.org/presentationml/2006/main">
+  <p:cSld>
+    <p:spTree>
+      <p:nvGrpSpPr>
+        <p:cNvPr id="1" name=""/>
+        <p:cNvGrpSpPr/>
+        <p:nvPr/>
+      </p:nvGrpSpPr>
+      <p:grpSpPr>
+        <a:xfrm>
+          <a:off x="0" y="0"/>
+          <a:ext cx="0" cy="0"/>
+          <a:chOff x="0" y="0"/>
+          <a:chExt cx="0" cy="0"/>
+        </a:xfrm>
+      </p:grpSpPr>
+      <p:sp>
+        <p:nvSpPr>
+          <p:cNvPr id="2" name="Slide Image Placeholder 1"/>
+          <p:cNvSpPr>
+            <a:spLocks noGrp="1" noRot="1" noChangeAspect="1"/>
+          </p:cNvSpPr>
+          <p:nvPr>
+            <p:ph type="sldImg"/>
+          </p:nvPr>
+        </p:nvSpPr>
+        <p:spPr/>
+      </p:sp>
+      <p:sp>
+        <p:nvSpPr>
+          <p:cNvPr id="3" name="Notes Placeholder 2"/>
+          <p:cNvSpPr>
+            <a:spLocks noGrp="1"/>
+          </p:cNvSpPr>
+          <p:nvPr>
+            <p:ph type="body" idx="1"/>
+          </p:nvPr>
+        </p:nvSpPr>
+        <p:spPr/>
+        <p:txBody>
+          <a:bodyPr/>
+          <a:lstStyle/>
+          <a:p>
+            <a:pPr marL="171450" indent="-171450">
+              <a:buFontTx/>
+              <a:buChar char="-"/>
+            </a:pPr>
+            <a:r>
+              <a:rPr lang="en-US" dirty="0" smtClean="0"/>
+              <a:t>System behaviors</a:t>
+            </a:r>
+            <a:r>
+              <a:rPr lang="en-US" baseline="0" dirty="0" smtClean="0"/>
+              <a:t> is composed of parallel behaviors of the agents forming the system.</a:t>
+            </a:r>
+          </a:p>
+          <a:p>
+            <a:pPr marL="171450" indent="-171450">
+              <a:buFontTx/>
+              <a:buChar char="-"/>
+            </a:pPr>
+            <a:r>
+              <a:rPr lang="en-US" baseline="0" dirty="0" smtClean="0"/>
+              <a:t>An agent behavior is captured be a sequence of state transitions for the items that the agent controls. These items are generally represented by state variables.</a:t>
+            </a:r>
+          </a:p>
+          <a:p>
+            <a:pPr marL="171450" indent="-171450">
+              <a:buFontTx/>
+              <a:buChar char="-"/>
+            </a:pPr>
+            <a:r>
+              <a:rPr lang="en-US" baseline="0" dirty="0" smtClean="0"/>
+              <a:t>A global system state is an aggregation of the state of all variables characterizing the system.</a:t>
+            </a:r>
+            <a:endParaRPr lang="en-US" dirty="0"/>
+          </a:p>
+        </p:txBody>
+      </p:sp>
+      <p:sp>
+        <p:nvSpPr>
+          <p:cNvPr id="4" name="Slide Number Placeholder 3"/>
+          <p:cNvSpPr>
+            <a:spLocks noGrp="1"/>
+          </p:cNvSpPr>
+          <p:nvPr>
+            <p:ph type="sldNum" sz="quarter" idx="10"/>
+          </p:nvPr>
+        </p:nvSpPr>
+        <p:spPr/>
+        <p:txBody>
+          <a:bodyPr/>
+          <a:lstStyle/>
+          <a:p>
+            <a:pPr>
+              <a:defRPr/>
+            </a:pPr>
+            <a:fld id="{721788B2-B068-41F4-8DD2-093D4D46F84E}" type="slidenum">
+              <a:rPr lang="en-US" altLang="en-US" smtClean="0"/>
+              <a:pPr>
+                <a:defRPr/>
+              </a:pPr>
+              <a:t>11</a:t>
+            </a:fld>
+            <a:endParaRPr lang="en-US" altLang="en-US"/>
+          </a:p>
+        </p:txBody>
+      </p:sp>
+    </p:spTree>
+    <p:extLst>
+      <p:ext uri="{BB962C8B-B14F-4D97-AF65-F5344CB8AC3E}">
+        <p14:creationId xmlns:p14="http://schemas.microsoft.com/office/powerpoint/2010/main" val="3056710630"/>
+      </p:ext>
+    </p:extLst>
+  </p:cSld>
+  <p:clrMapOvr>
+    <a:masterClrMapping/>
+  </p:clrMapOvr>
+</p:notes>
+</file>
+
+<file path=ppt/notesSlides/notesSlide5.xml><?xml version="1.0" encoding="utf-8"?>
+<p:notes xmlns:a="http://schemas.openxmlformats.org/drawingml/2006/main" xmlns:r="http://schemas.openxmlformats.org/officeDocument/2006/relationships" xmlns:p="http://schemas.openxmlformats.org/presentationml/2006/main">
+  <p:cSld>
+    <p:spTree>
+      <p:nvGrpSpPr>
+        <p:cNvPr id="1" name=""/>
+        <p:cNvGrpSpPr/>
+        <p:nvPr/>
+      </p:nvGrpSpPr>
+      <p:grpSpPr>
+        <a:xfrm>
+          <a:off x="0" y="0"/>
+          <a:ext cx="0" cy="0"/>
+          <a:chOff x="0" y="0"/>
+          <a:chExt cx="0" cy="0"/>
+        </a:xfrm>
+      </p:grpSpPr>
+      <p:sp>
+        <p:nvSpPr>
+          <p:cNvPr id="2" name="Slide Image Placeholder 1"/>
+          <p:cNvSpPr>
+            <a:spLocks noGrp="1" noRot="1" noChangeAspect="1"/>
+          </p:cNvSpPr>
+          <p:nvPr>
+            <p:ph type="sldImg"/>
+          </p:nvPr>
+        </p:nvSpPr>
+        <p:spPr/>
+      </p:sp>
+      <p:sp>
+        <p:nvSpPr>
+          <p:cNvPr id="3" name="Notes Placeholder 2"/>
+          <p:cNvSpPr>
+            <a:spLocks noGrp="1"/>
+          </p:cNvSpPr>
+          <p:nvPr>
+            <p:ph type="body" idx="1"/>
+          </p:nvPr>
+        </p:nvSpPr>
+        <p:spPr/>
+        <p:txBody>
+          <a:bodyPr/>
+          <a:lstStyle/>
+          <a:p>
+            <a:endParaRPr lang="en-US" dirty="0"/>
+          </a:p>
+        </p:txBody>
+      </p:sp>
+      <p:sp>
+        <p:nvSpPr>
+          <p:cNvPr id="4" name="Slide Number Placeholder 3"/>
+          <p:cNvSpPr>
+            <a:spLocks noGrp="1"/>
+          </p:cNvSpPr>
+          <p:nvPr>
+            <p:ph type="sldNum" sz="quarter" idx="10"/>
+          </p:nvPr>
+        </p:nvSpPr>
+        <p:spPr/>
+        <p:txBody>
+          <a:bodyPr/>
+          <a:lstStyle/>
+          <a:p>
+            <a:pPr>
+              <a:defRPr/>
+            </a:pPr>
+            <a:fld id="{721788B2-B068-41F4-8DD2-093D4D46F84E}" type="slidenum">
+              <a:rPr lang="en-US" altLang="en-US" smtClean="0"/>
+              <a:pPr>
+                <a:defRPr/>
+              </a:pPr>
+              <a:t>13</a:t>
+            </a:fld>
+            <a:endParaRPr lang="en-US" altLang="en-US"/>
+          </a:p>
+        </p:txBody>
+      </p:sp>
+    </p:spTree>
+    <p:extLst>
+      <p:ext uri="{BB962C8B-B14F-4D97-AF65-F5344CB8AC3E}">
+        <p14:creationId xmlns:p14="http://schemas.microsoft.com/office/powerpoint/2010/main" val="1946267454"/>
+      </p:ext>
+    </p:extLst>
+  </p:cSld>
+  <p:clrMapOvr>
+    <a:masterClrMapping/>
+  </p:clrMapOvr>
+</p:notes>
+</file>
+
+<file path=ppt/notesSlides/notesSlide6.xml><?xml version="1.0" encoding="utf-8"?>
+<p:notes xmlns:a="http://schemas.openxmlformats.org/drawingml/2006/main" xmlns:r="http://schemas.openxmlformats.org/officeDocument/2006/relationships" xmlns:p="http://schemas.openxmlformats.org/presentationml/2006/main">
+  <p:cSld>
+    <p:spTree>
+      <p:nvGrpSpPr>
+        <p:cNvPr id="1" name=""/>
+        <p:cNvGrpSpPr/>
+        <p:nvPr/>
+      </p:nvGrpSpPr>
+      <p:grpSpPr>
+        <a:xfrm>
+          <a:off x="0" y="0"/>
+          <a:ext cx="0" cy="0"/>
+          <a:chOff x="0" y="0"/>
+          <a:chExt cx="0" cy="0"/>
+        </a:xfrm>
+      </p:grpSpPr>
+      <p:sp>
+        <p:nvSpPr>
+          <p:cNvPr id="2" name="Slide Image Placeholder 1"/>
+          <p:cNvSpPr>
+            <a:spLocks noGrp="1" noRot="1" noChangeAspect="1"/>
+          </p:cNvSpPr>
+          <p:nvPr>
+            <p:ph type="sldImg"/>
+          </p:nvPr>
+        </p:nvSpPr>
+        <p:spPr/>
+      </p:sp>
+      <p:sp>
+        <p:nvSpPr>
+          <p:cNvPr id="3" name="Notes Placeholder 2"/>
+          <p:cNvSpPr>
+            <a:spLocks noGrp="1"/>
+          </p:cNvSpPr>
+          <p:nvPr>
+            <p:ph type="body" idx="1"/>
+          </p:nvPr>
+        </p:nvSpPr>
+        <p:spPr/>
+        <p:txBody>
+          <a:bodyPr/>
+          <a:lstStyle/>
+          <a:p>
+            <a:r>
+              <a:rPr lang="en-US" dirty="0" smtClean="0"/>
+              <a:t>1) A set of</a:t>
+            </a:r>
+            <a:r>
+              <a:rPr lang="en-US" baseline="0" dirty="0" smtClean="0"/>
+              <a:t> requirements is complete with respect to a set of goals if all the goals can be shown to be satisfied when the requirements are satisfied, assuming the </a:t>
+            </a:r>
+            <a:r>
+              <a:rPr lang="en-US" baseline="0" dirty="0" err="1" smtClean="0"/>
+              <a:t>env</a:t>
+            </a:r>
+            <a:r>
+              <a:rPr lang="en-US" baseline="0" dirty="0" smtClean="0"/>
+              <a:t> assumptions and </a:t>
+            </a:r>
+            <a:r>
+              <a:rPr lang="en-US" baseline="0" smtClean="0"/>
+              <a:t>domain properties to hold.</a:t>
+            </a:r>
+            <a:endParaRPr lang="en-US" dirty="0" smtClean="0"/>
+          </a:p>
+          <a:p>
+            <a:r>
+              <a:rPr lang="en-US" dirty="0" smtClean="0"/>
+              <a:t>2) A requirement is pertinent</a:t>
+            </a:r>
+            <a:r>
+              <a:rPr lang="en-US" baseline="0" dirty="0" smtClean="0"/>
+              <a:t> with respect to a set of goals if it is used in satisfaction argument of one goal at least.</a:t>
+            </a:r>
+            <a:endParaRPr lang="en-US" dirty="0"/>
+          </a:p>
+        </p:txBody>
+      </p:sp>
+      <p:sp>
+        <p:nvSpPr>
+          <p:cNvPr id="4" name="Slide Number Placeholder 3"/>
+          <p:cNvSpPr>
+            <a:spLocks noGrp="1"/>
+          </p:cNvSpPr>
+          <p:nvPr>
+            <p:ph type="sldNum" sz="quarter" idx="10"/>
+          </p:nvPr>
+        </p:nvSpPr>
+        <p:spPr/>
+        <p:txBody>
+          <a:bodyPr/>
+          <a:lstStyle/>
+          <a:p>
+            <a:pPr>
+              <a:defRPr/>
+            </a:pPr>
+            <a:fld id="{721788B2-B068-41F4-8DD2-093D4D46F84E}" type="slidenum">
+              <a:rPr lang="en-US" altLang="en-US" smtClean="0"/>
+              <a:pPr>
+                <a:defRPr/>
+              </a:pPr>
+              <a:t>24</a:t>
+            </a:fld>
+            <a:endParaRPr lang="en-US" altLang="en-US"/>
+          </a:p>
+        </p:txBody>
+      </p:sp>
+    </p:spTree>
+    <p:extLst>
+      <p:ext uri="{BB962C8B-B14F-4D97-AF65-F5344CB8AC3E}">
+        <p14:creationId xmlns:p14="http://schemas.microsoft.com/office/powerpoint/2010/main" val="839900975"/>
+      </p:ext>
+    </p:extLst>
+  </p:cSld>
+  <p:clrMapOvr>
+    <a:masterClrMapping/>
+  </p:clrMapOvr>
+</p:notes>
+</file>
+
+<file path=ppt/notesSlides/notesSlide7.xml><?xml version="1.0" encoding="utf-8"?>
 <p:notes xmlns:a="http://schemas.openxmlformats.org/drawingml/2006/main" xmlns:r="http://schemas.openxmlformats.org/officeDocument/2006/relationships" xmlns:p="http://schemas.openxmlformats.org/presentationml/2006/main">
   <p:cSld>
     <p:spTree>
@@ -1331,6 +1719,11 @@
         </p:txBody>
       </p:sp>
     </p:spTree>
+    <p:extLst>
+      <p:ext uri="{BB962C8B-B14F-4D97-AF65-F5344CB8AC3E}">
+        <p14:creationId xmlns:p14="http://schemas.microsoft.com/office/powerpoint/2010/main" val="572728557"/>
+      </p:ext>
+    </p:extLst>
   </p:cSld>
   <p:clrMapOvr>
     <a:masterClrMapping/>
@@ -4014,9 +4407,59 @@
         </p:xfrm>
         <a:graphic>
           <a:graphicData uri="http://schemas.openxmlformats.org/presentationml/2006/ole">
-            <p:oleObj spid="_x0000_s8194" name="Clip" r:id="rId3" imgW="845640" imgH="938520" progId="">
-              <p:embed/>
-            </p:oleObj>
+            <mc:AlternateContent xmlns:mc="http://schemas.openxmlformats.org/markup-compatibility/2006">
+              <mc:Choice xmlns:v="urn:schemas-microsoft-com:vml" Requires="v">
+                <p:oleObj spid="_x0000_s8210" name="Clip" r:id="rId3" imgW="845640" imgH="938520" progId="">
+                  <p:embed/>
+                </p:oleObj>
+              </mc:Choice>
+              <mc:Fallback>
+                <p:oleObj name="Clip" r:id="rId3" imgW="845640" imgH="938520" progId="">
+                  <p:embed/>
+                  <p:pic>
+                    <p:nvPicPr>
+                      <p:cNvPr id="0" name="Object 3"/>
+                      <p:cNvPicPr>
+                        <a:picLocks noChangeAspect="1" noChangeArrowheads="1"/>
+                      </p:cNvPicPr>
+                      <p:nvPr/>
+                    </p:nvPicPr>
+                    <p:blipFill>
+                      <a:blip r:embed="rId4">
+                        <a:extLst>
+                          <a:ext uri="{28A0092B-C50C-407E-A947-70E740481C1C}">
+                            <a14:useLocalDpi xmlns:a14="http://schemas.microsoft.com/office/drawing/2010/main" val="0"/>
+                          </a:ext>
+                        </a:extLst>
+                      </a:blip>
+                      <a:srcRect/>
+                      <a:stretch>
+                        <a:fillRect/>
+                      </a:stretch>
+                    </p:blipFill>
+                    <p:spPr bwMode="auto">
+                      <a:xfrm>
+                        <a:off x="179388" y="80963"/>
+                        <a:ext cx="854075" cy="949325"/>
+                      </a:xfrm>
+                      <a:prstGeom prst="rect">
+                        <a:avLst/>
+                      </a:prstGeom>
+                      <a:noFill/>
+                      <a:extLst>
+                        <a:ext uri="{909E8E84-426E-40DD-AFC4-6F175D3DCCD1}">
+                          <a14:hiddenFill xmlns:a14="http://schemas.microsoft.com/office/drawing/2010/main">
+                            <a:solidFill>
+                              <a:srgbClr val="FFFFFF"/>
+                            </a:solidFill>
+                          </a14:hiddenFill>
+                        </a:ext>
+                      </a:extLst>
+                    </p:spPr>
+                  </p:pic>
+                </p:oleObj>
+              </mc:Fallback>
+            </mc:AlternateContent>
           </a:graphicData>
         </a:graphic>
       </p:graphicFrame>
@@ -4034,9 +4477,59 @@
         </p:xfrm>
         <a:graphic>
           <a:graphicData uri="http://schemas.openxmlformats.org/presentationml/2006/ole">
-            <p:oleObj spid="_x0000_s8195" name="Picture" r:id="rId4" imgW="3960360" imgH="1099080" progId="Word.Picture.8">
-              <p:embed/>
-            </p:oleObj>
+            <mc:AlternateContent xmlns:mc="http://schemas.openxmlformats.org/markup-compatibility/2006">
+              <mc:Choice xmlns:v="urn:schemas-microsoft-com:vml" Requires="v">
+                <p:oleObj spid="_x0000_s8211" name="Picture" r:id="rId5" imgW="3960360" imgH="1099080" progId="Word.Picture.8">
+                  <p:embed/>
+                </p:oleObj>
+              </mc:Choice>
+              <mc:Fallback>
+                <p:oleObj name="Picture" r:id="rId5" imgW="3960360" imgH="1099080" progId="Word.Picture.8">
+                  <p:embed/>
+                  <p:pic>
+                    <p:nvPicPr>
+                      <p:cNvPr id="0" name="Object 4"/>
+                      <p:cNvPicPr>
+                        <a:picLocks noChangeAspect="1" noChangeArrowheads="1"/>
+                      </p:cNvPicPr>
+                      <p:nvPr/>
+                    </p:nvPicPr>
+                    <p:blipFill>
+                      <a:blip r:embed="rId6">
+                        <a:extLst>
+                          <a:ext uri="{28A0092B-C50C-407E-A947-70E740481C1C}">
+                            <a14:useLocalDpi xmlns:a14="http://schemas.microsoft.com/office/drawing/2010/main" val="0"/>
+                          </a:ext>
+                        </a:extLst>
+                      </a:blip>
+                      <a:srcRect/>
+                      <a:stretch>
+                        <a:fillRect/>
+                      </a:stretch>
+                    </p:blipFill>
+                    <p:spPr bwMode="auto">
+                      <a:xfrm>
+                        <a:off x="233363" y="3460750"/>
+                        <a:ext cx="8910637" cy="2490788"/>
+                      </a:xfrm>
+                      <a:prstGeom prst="rect">
+                        <a:avLst/>
+                      </a:prstGeom>
+                      <a:noFill/>
+                      <a:extLst>
+                        <a:ext uri="{909E8E84-426E-40DD-AFC4-6F175D3DCCD1}">
+                          <a14:hiddenFill xmlns:a14="http://schemas.microsoft.com/office/drawing/2010/main">
+                            <a:solidFill>
+                              <a:srgbClr val="FFFFFF"/>
+                            </a:solidFill>
+                          </a14:hiddenFill>
+                        </a:ext>
+                      </a:extLst>
+                    </p:spPr>
+                  </p:pic>
+                </p:oleObj>
+              </mc:Fallback>
+            </mc:AlternateContent>
           </a:graphicData>
         </a:graphic>
       </p:graphicFrame>
@@ -4072,7 +4565,7 @@
               <a:defRPr/>
             </a:pPr>
             <a:r>
-              <a:rPr lang="fr-BE" altLang="en-US" smtClean="0">
+              <a:rPr lang="fr-BE" altLang="en-US" dirty="0" err="1" smtClean="0">
                 <a:effectLst>
                   <a:outerShdw blurRad="38100" dist="38100" dir="2700000" algn="tl">
                     <a:srgbClr val="000000"/>
@@ -4082,9 +4575,22 @@
               <a:t>Behavioral</a:t>
             </a:r>
             <a:r>
-              <a:rPr lang="fr-BE" altLang="en-US" smtClean="0"/>
-              <a:t> goals:  prescribe behaviors</a:t>
-            </a:r>
+              <a:rPr lang="fr-BE" altLang="en-US" dirty="0" smtClean="0"/>
+              <a:t> goals:  </a:t>
+            </a:r>
+            <a:r>
+              <a:rPr lang="fr-BE" altLang="en-US" dirty="0" err="1" smtClean="0"/>
+              <a:t>prescribe</a:t>
+            </a:r>
+            <a:r>
+              <a:rPr lang="fr-BE" altLang="en-US" dirty="0" smtClean="0"/>
+              <a:t> </a:t>
+            </a:r>
+            <a:r>
+              <a:rPr lang="fr-BE" altLang="en-US" dirty="0" err="1" smtClean="0"/>
+              <a:t>behaviors</a:t>
+            </a:r>
+            <a:endParaRPr lang="fr-BE" altLang="en-US" dirty="0" smtClean="0"/>
           </a:p>
           <a:p>
             <a:pPr algn="ctr">
@@ -4099,7 +4605,7 @@
               <a:defRPr/>
             </a:pPr>
             <a:r>
-              <a:rPr lang="fr-BE" altLang="en-US" smtClean="0">
+              <a:rPr lang="fr-BE" altLang="en-US" dirty="0" smtClean="0">
                 <a:solidFill>
                   <a:srgbClr val="CC00FF"/>
                 </a:solidFill>
@@ -4120,7 +4626,7 @@
               <a:defRPr/>
             </a:pPr>
             <a:r>
-              <a:rPr lang="fr-BE" altLang="en-US" smtClean="0">
+              <a:rPr lang="fr-BE" altLang="en-US" dirty="0" smtClean="0">
                 <a:effectLst>
                   <a:outerShdw blurRad="38100" dist="38100" dir="2700000" algn="tl">
                     <a:srgbClr val="000000"/>
@@ -4130,26 +4636,54 @@
               <a:t>Soft</a:t>
             </a:r>
             <a:r>
-              <a:rPr lang="fr-BE" altLang="en-US" smtClean="0"/>
+              <a:rPr lang="fr-BE" altLang="en-US" dirty="0" smtClean="0"/>
               <a:t> goals:  </a:t>
             </a:r>
             <a:r>
-              <a:rPr lang="en-US" altLang="en-US" smtClean="0"/>
+              <a:rPr lang="en-US" altLang="en-US" dirty="0" smtClean="0"/>
               <a:t>s</a:t>
             </a:r>
             <a:r>
-              <a:rPr lang="fr-BE" altLang="en-US" smtClean="0"/>
-              <a:t>tate preferences among a</a:t>
-            </a:r>
-            <a:r>
-              <a:rPr lang="en-US" altLang="en-US" smtClean="0"/>
+              <a:rPr lang="fr-BE" altLang="en-US" dirty="0" err="1" smtClean="0"/>
+              <a:t>tate</a:t>
+            </a:r>
+            <a:r>
+              <a:rPr lang="fr-BE" altLang="en-US" dirty="0" smtClean="0"/>
+              <a:t> </a:t>
+            </a:r>
+            <a:r>
+              <a:rPr lang="fr-BE" altLang="en-US" dirty="0" err="1" smtClean="0"/>
+              <a:t>preferences</a:t>
+            </a:r>
+            <a:r>
+              <a:rPr lang="fr-BE" altLang="en-US" dirty="0" smtClean="0"/>
+              <a:t> </a:t>
+            </a:r>
+            <a:r>
+              <a:rPr lang="fr-BE" altLang="en-US" dirty="0" err="1" smtClean="0"/>
+              <a:t>among</a:t>
+            </a:r>
+            <a:r>
+              <a:rPr lang="fr-BE" altLang="en-US" dirty="0" smtClean="0"/>
+              <a:t> a</a:t>
+            </a:r>
+            <a:r>
+              <a:rPr lang="en-US" altLang="en-US" dirty="0" smtClean="0"/>
               <a:t>l</a:t>
             </a:r>
             <a:r>
-              <a:rPr lang="fr-BE" altLang="en-US" smtClean="0"/>
-              <a:t>ternative behaviors</a:t>
-            </a:r>
-            <a:endParaRPr lang="en-US" altLang="en-US" smtClean="0"/>
+              <a:rPr lang="fr-BE" altLang="en-US" dirty="0" err="1" smtClean="0"/>
+              <a:t>ternative</a:t>
+            </a:r>
+            <a:r>
+              <a:rPr lang="fr-BE" altLang="en-US" dirty="0" smtClean="0"/>
+              <a:t> </a:t>
+            </a:r>
+            <a:r>
+              <a:rPr lang="fr-BE" altLang="en-US" dirty="0" err="1" smtClean="0"/>
+              <a:t>behaviors</a:t>
+            </a:r>
+            <a:endParaRPr lang="en-US" altLang="en-US" dirty="0" smtClean="0"/>
           </a:p>
         </p:txBody>
       </p:sp>
@@ -4426,9 +4960,59 @@
         </p:xfrm>
         <a:graphic>
           <a:graphicData uri="http://schemas.openxmlformats.org/presentationml/2006/ole">
-            <p:oleObj spid="_x0000_s9218" name="Clip" r:id="rId3" imgW="845640" imgH="938520" progId="">
-              <p:embed/>
-            </p:oleObj>
+            <mc:AlternateContent xmlns:mc="http://schemas.openxmlformats.org/markup-compatibility/2006">
+              <mc:Choice xmlns:v="urn:schemas-microsoft-com:vml" Requires="v">
+                <p:oleObj spid="_x0000_s9242" name="Clip" r:id="rId4" imgW="845640" imgH="938520" progId="">
+                  <p:embed/>
+                </p:oleObj>
+              </mc:Choice>
+              <mc:Fallback>
+                <p:oleObj name="Clip" r:id="rId4" imgW="845640" imgH="938520" progId="">
+                  <p:embed/>
+                  <p:pic>
+                    <p:nvPicPr>
+                      <p:cNvPr id="0" name="Object 4"/>
+                      <p:cNvPicPr>
+                        <a:picLocks noChangeAspect="1" noChangeArrowheads="1"/>
+                      </p:cNvPicPr>
+                      <p:nvPr/>
+                    </p:nvPicPr>
+                    <p:blipFill>
+                      <a:blip r:embed="rId5">
+                        <a:extLst>
+                          <a:ext uri="{28A0092B-C50C-407E-A947-70E740481C1C}">
+                            <a14:useLocalDpi xmlns:a14="http://schemas.microsoft.com/office/drawing/2010/main" val="0"/>
+                          </a:ext>
+                        </a:extLst>
+                      </a:blip>
+                      <a:srcRect/>
+                      <a:stretch>
+                        <a:fillRect/>
+                      </a:stretch>
+                    </p:blipFill>
+                    <p:spPr bwMode="auto">
+                      <a:xfrm>
+                        <a:off x="179388" y="80963"/>
+                        <a:ext cx="854075" cy="949325"/>
+                      </a:xfrm>
+                      <a:prstGeom prst="rect">
+                        <a:avLst/>
+                      </a:prstGeom>
+                      <a:noFill/>
+                      <a:extLst>
+                        <a:ext uri="{909E8E84-426E-40DD-AFC4-6F175D3DCCD1}">
+                          <a14:hiddenFill xmlns:a14="http://schemas.microsoft.com/office/drawing/2010/main">
+                            <a:solidFill>
+                              <a:srgbClr val="FFFFFF"/>
+                            </a:solidFill>
+                          </a14:hiddenFill>
+                        </a:ext>
+                      </a:extLst>
+                    </p:spPr>
+                  </p:pic>
+                </p:oleObj>
+              </mc:Fallback>
+            </mc:AlternateContent>
           </a:graphicData>
         </a:graphic>
       </p:graphicFrame>
@@ -4446,9 +5030,59 @@
         </p:xfrm>
         <a:graphic>
           <a:graphicData uri="http://schemas.openxmlformats.org/presentationml/2006/ole">
-            <p:oleObj spid="_x0000_s9219" name="Clip" r:id="rId4" imgW="5096880" imgH="2642760" progId="">
-              <p:embed/>
-            </p:oleObj>
+            <mc:AlternateContent xmlns:mc="http://schemas.openxmlformats.org/markup-compatibility/2006">
+              <mc:Choice xmlns:v="urn:schemas-microsoft-com:vml" Requires="v">
+                <p:oleObj spid="_x0000_s9243" name="Clip" r:id="rId6" imgW="5096880" imgH="2642760" progId="">
+                  <p:embed/>
+                </p:oleObj>
+              </mc:Choice>
+              <mc:Fallback>
+                <p:oleObj name="Clip" r:id="rId6" imgW="5096880" imgH="2642760" progId="">
+                  <p:embed/>
+                  <p:pic>
+                    <p:nvPicPr>
+                      <p:cNvPr id="0" name="Object 5"/>
+                      <p:cNvPicPr>
+                        <a:picLocks noChangeAspect="1" noChangeArrowheads="1"/>
+                      </p:cNvPicPr>
+                      <p:nvPr/>
+                    </p:nvPicPr>
+                    <p:blipFill>
+                      <a:blip r:embed="rId7">
+                        <a:extLst>
+                          <a:ext uri="{28A0092B-C50C-407E-A947-70E740481C1C}">
+                            <a14:useLocalDpi xmlns:a14="http://schemas.microsoft.com/office/drawing/2010/main" val="0"/>
+                          </a:ext>
+                        </a:extLst>
+                      </a:blip>
+                      <a:srcRect/>
+                      <a:stretch>
+                        <a:fillRect/>
+                      </a:stretch>
+                    </p:blipFill>
+                    <p:spPr bwMode="auto">
+                      <a:xfrm flipH="1">
+                        <a:off x="6286500" y="4667250"/>
+                        <a:ext cx="730250" cy="454025"/>
+                      </a:xfrm>
+                      <a:prstGeom prst="rect">
+                        <a:avLst/>
+                      </a:prstGeom>
+                      <a:noFill/>
+                      <a:extLst>
+                        <a:ext uri="{909E8E84-426E-40DD-AFC4-6F175D3DCCD1}">
+                          <a14:hiddenFill xmlns:a14="http://schemas.microsoft.com/office/drawing/2010/main">
+                            <a:solidFill>
+                              <a:srgbClr val="FFFFFF"/>
+                            </a:solidFill>
+                          </a14:hiddenFill>
+                        </a:ext>
+                      </a:extLst>
+                    </p:spPr>
+                  </p:pic>
+                </p:oleObj>
+              </mc:Fallback>
+            </mc:AlternateContent>
           </a:graphicData>
         </a:graphic>
       </p:graphicFrame>
@@ -4466,9 +5100,72 @@
         </p:xfrm>
         <a:graphic>
           <a:graphicData uri="http://schemas.openxmlformats.org/presentationml/2006/ole">
-            <p:oleObj spid="_x0000_s9220" name="Clip" r:id="rId5" imgW="707040" imgH="759960" progId="">
-              <p:embed/>
-            </p:oleObj>
+            <mc:AlternateContent xmlns:mc="http://schemas.openxmlformats.org/markup-compatibility/2006">
+              <mc:Choice xmlns:v="urn:schemas-microsoft-com:vml" Requires="v">
+                <p:oleObj spid="_x0000_s9244" name="Clip" r:id="rId8" imgW="707040" imgH="759960" progId="">
+                  <p:embed/>
+                </p:oleObj>
+              </mc:Choice>
+              <mc:Fallback>
+                <p:oleObj name="Clip" r:id="rId8" imgW="707040" imgH="759960" progId="">
+                  <p:embed/>
+                  <p:pic>
+                    <p:nvPicPr>
+                      <p:cNvPr id="0" name="Object 6"/>
+                      <p:cNvPicPr>
+                        <a:picLocks noChangeAspect="1" noChangeArrowheads="1"/>
+                      </p:cNvPicPr>
+                      <p:nvPr/>
+                    </p:nvPicPr>
+                    <p:blipFill>
+                      <a:blip r:embed="rId9">
+                        <a:extLst>
+                          <a:ext uri="{28A0092B-C50C-407E-A947-70E740481C1C}">
+                            <a14:useLocalDpi xmlns:a14="http://schemas.microsoft.com/office/drawing/2010/main" val="0"/>
+                          </a:ext>
+                        </a:extLst>
+                      </a:blip>
+                      <a:srcRect/>
+                      <a:stretch>
+                        <a:fillRect/>
+                      </a:stretch>
+                    </p:blipFill>
+                    <p:spPr bwMode="auto">
+                      <a:xfrm>
+                        <a:off x="6435725" y="5256213"/>
+                        <a:ext cx="538163" cy="498475"/>
+                      </a:xfrm>
+                      <a:prstGeom prst="rect">
+                        <a:avLst/>
+                      </a:prstGeom>
+                      <a:noFill/>
+                      <a:ln>
+                        <a:noFill/>
+                      </a:ln>
+                      <a:extLst>
+                        <a:ext uri="{909E8E84-426E-40DD-AFC4-6F175D3DCCD1}">
+                          <a14:hiddenFill xmlns:a14="http://schemas.microsoft.com/office/drawing/2010/main">
+                            <a:solidFill>
+                              <a:schemeClr val="accent1"/>
+                            </a:solidFill>
+                          </a14:hiddenFill>
+                        </a:ext>
+                        <a:ext uri="{91240B29-F687-4F45-9708-019B960494DF}">
+                          <a14:hiddenLine xmlns:a14="http://schemas.microsoft.com/office/drawing/2010/main" w="9525">
+                            <a:solidFill>
+                              <a:schemeClr val="tx1"/>
+                            </a:solidFill>
+                            <a:miter lim="800000"/>
+                            <a:headEnd/>
+                            <a:tailEnd/>
+                          </a14:hiddenLine>
+                        </a:ext>
+                      </a:extLst>
+                    </p:spPr>
+                  </p:pic>
+                </p:oleObj>
+              </mc:Fallback>
+            </mc:AlternateContent>
           </a:graphicData>
         </a:graphic>
       </p:graphicFrame>
@@ -5445,9 +6142,59 @@
         </p:xfrm>
         <a:graphic>
           <a:graphicData uri="http://schemas.openxmlformats.org/presentationml/2006/ole">
-            <p:oleObj spid="_x0000_s10242" name="Clip" r:id="rId3" imgW="5096880" imgH="2642760" progId="">
-              <p:embed/>
-            </p:oleObj>
+            <mc:AlternateContent xmlns:mc="http://schemas.openxmlformats.org/markup-compatibility/2006">
+              <mc:Choice xmlns:v="urn:schemas-microsoft-com:vml" Requires="v">
+                <p:oleObj spid="_x0000_s10258" name="Clip" r:id="rId3" imgW="5096880" imgH="2642760" progId="">
+                  <p:embed/>
+                </p:oleObj>
+              </mc:Choice>
+              <mc:Fallback>
+                <p:oleObj name="Clip" r:id="rId3" imgW="5096880" imgH="2642760" progId="">
+                  <p:embed/>
+                  <p:pic>
+                    <p:nvPicPr>
+                      <p:cNvPr id="0" name="Object 25"/>
+                      <p:cNvPicPr>
+                        <a:picLocks noChangeAspect="1" noChangeArrowheads="1"/>
+                      </p:cNvPicPr>
+                      <p:nvPr/>
+                    </p:nvPicPr>
+                    <p:blipFill>
+                      <a:blip r:embed="rId4">
+                        <a:extLst>
+                          <a:ext uri="{28A0092B-C50C-407E-A947-70E740481C1C}">
+                            <a14:useLocalDpi xmlns:a14="http://schemas.microsoft.com/office/drawing/2010/main" val="0"/>
+                          </a:ext>
+                        </a:extLst>
+                      </a:blip>
+                      <a:srcRect/>
+                      <a:stretch>
+                        <a:fillRect/>
+                      </a:stretch>
+                    </p:blipFill>
+                    <p:spPr bwMode="auto">
+                      <a:xfrm flipH="1">
+                        <a:off x="3887788" y="5386388"/>
+                        <a:ext cx="1573212" cy="976312"/>
+                      </a:xfrm>
+                      <a:prstGeom prst="rect">
+                        <a:avLst/>
+                      </a:prstGeom>
+                      <a:noFill/>
+                      <a:extLst>
+                        <a:ext uri="{909E8E84-426E-40DD-AFC4-6F175D3DCCD1}">
+                          <a14:hiddenFill xmlns:a14="http://schemas.microsoft.com/office/drawing/2010/main">
+                            <a:solidFill>
+                              <a:srgbClr val="FFFFFF"/>
+                            </a:solidFill>
+                          </a14:hiddenFill>
+                        </a:ext>
+                      </a:extLst>
+                    </p:spPr>
+                  </p:pic>
+                </p:oleObj>
+              </mc:Fallback>
+            </mc:AlternateContent>
           </a:graphicData>
         </a:graphic>
       </p:graphicFrame>
@@ -5465,9 +6212,59 @@
         </p:xfrm>
         <a:graphic>
           <a:graphicData uri="http://schemas.openxmlformats.org/presentationml/2006/ole">
-            <p:oleObj spid="_x0000_s10243" name="Clip" r:id="rId4" imgW="845640" imgH="938520" progId="">
-              <p:embed/>
-            </p:oleObj>
+            <mc:AlternateContent xmlns:mc="http://schemas.openxmlformats.org/markup-compatibility/2006">
+              <mc:Choice xmlns:v="urn:schemas-microsoft-com:vml" Requires="v">
+                <p:oleObj spid="_x0000_s10259" name="Clip" r:id="rId5" imgW="845640" imgH="938520" progId="">
+                  <p:embed/>
+                </p:oleObj>
+              </mc:Choice>
+              <mc:Fallback>
+                <p:oleObj name="Clip" r:id="rId5" imgW="845640" imgH="938520" progId="">
+                  <p:embed/>
+                  <p:pic>
+                    <p:nvPicPr>
+                      <p:cNvPr id="0" name="Object 26"/>
+                      <p:cNvPicPr>
+                        <a:picLocks noChangeAspect="1" noChangeArrowheads="1"/>
+                      </p:cNvPicPr>
+                      <p:nvPr/>
+                    </p:nvPicPr>
+                    <p:blipFill>
+                      <a:blip r:embed="rId6">
+                        <a:extLst>
+                          <a:ext uri="{28A0092B-C50C-407E-A947-70E740481C1C}">
+                            <a14:useLocalDpi xmlns:a14="http://schemas.microsoft.com/office/drawing/2010/main" val="0"/>
+                          </a:ext>
+                        </a:extLst>
+                      </a:blip>
+                      <a:srcRect/>
+                      <a:stretch>
+                        <a:fillRect/>
+                      </a:stretch>
+                    </p:blipFill>
+                    <p:spPr bwMode="auto">
+                      <a:xfrm>
+                        <a:off x="179388" y="80963"/>
+                        <a:ext cx="854075" cy="949325"/>
+                      </a:xfrm>
+                      <a:prstGeom prst="rect">
+                        <a:avLst/>
+                      </a:prstGeom>
+                      <a:noFill/>
+                      <a:extLst>
+                        <a:ext uri="{909E8E84-426E-40DD-AFC4-6F175D3DCCD1}">
+                          <a14:hiddenFill xmlns:a14="http://schemas.microsoft.com/office/drawing/2010/main">
+                            <a:solidFill>
+                              <a:srgbClr val="FFFFFF"/>
+                            </a:solidFill>
+                          </a14:hiddenFill>
+                        </a:ext>
+                      </a:extLst>
+                    </p:spPr>
+                  </p:pic>
+                </p:oleObj>
+              </mc:Fallback>
+            </mc:AlternateContent>
           </a:graphicData>
         </a:graphic>
       </p:graphicFrame>
@@ -5922,9 +6719,59 @@
         </p:xfrm>
         <a:graphic>
           <a:graphicData uri="http://schemas.openxmlformats.org/presentationml/2006/ole">
-            <p:oleObj spid="_x0000_s11266" name="Picture" r:id="rId3" imgW="4320360" imgH="919440" progId="Word.Picture.8">
-              <p:embed/>
-            </p:oleObj>
+            <mc:AlternateContent xmlns:mc="http://schemas.openxmlformats.org/markup-compatibility/2006">
+              <mc:Choice xmlns:v="urn:schemas-microsoft-com:vml" Requires="v">
+                <p:oleObj spid="_x0000_s11282" name="Picture" r:id="rId4" imgW="4320360" imgH="919440" progId="Word.Picture.8">
+                  <p:embed/>
+                </p:oleObj>
+              </mc:Choice>
+              <mc:Fallback>
+                <p:oleObj name="Picture" r:id="rId4" imgW="4320360" imgH="919440" progId="Word.Picture.8">
+                  <p:embed/>
+                  <p:pic>
+                    <p:nvPicPr>
+                      <p:cNvPr id="0" name="Object 4"/>
+                      <p:cNvPicPr>
+                        <a:picLocks noChangeAspect="1" noChangeArrowheads="1"/>
+                      </p:cNvPicPr>
+                      <p:nvPr/>
+                    </p:nvPicPr>
+                    <p:blipFill>
+                      <a:blip r:embed="rId5">
+                        <a:extLst>
+                          <a:ext uri="{28A0092B-C50C-407E-A947-70E740481C1C}">
+                            <a14:useLocalDpi xmlns:a14="http://schemas.microsoft.com/office/drawing/2010/main" val="0"/>
+                          </a:ext>
+                        </a:extLst>
+                      </a:blip>
+                      <a:srcRect/>
+                      <a:stretch>
+                        <a:fillRect/>
+                      </a:stretch>
+                    </p:blipFill>
+                    <p:spPr bwMode="auto">
+                      <a:xfrm>
+                        <a:off x="819150" y="4759325"/>
+                        <a:ext cx="7785100" cy="1720850"/>
+                      </a:xfrm>
+                      <a:prstGeom prst="rect">
+                        <a:avLst/>
+                      </a:prstGeom>
+                      <a:noFill/>
+                      <a:extLst>
+                        <a:ext uri="{909E8E84-426E-40DD-AFC4-6F175D3DCCD1}">
+                          <a14:hiddenFill xmlns:a14="http://schemas.microsoft.com/office/drawing/2010/main">
+                            <a:solidFill>
+                              <a:srgbClr val="FFFFFF"/>
+                            </a:solidFill>
+                          </a14:hiddenFill>
+                        </a:ext>
+                      </a:extLst>
+                    </p:spPr>
+                  </p:pic>
+                </p:oleObj>
+              </mc:Fallback>
+            </mc:AlternateContent>
           </a:graphicData>
         </a:graphic>
       </p:graphicFrame>
@@ -5942,9 +6789,59 @@
         </p:xfrm>
         <a:graphic>
           <a:graphicData uri="http://schemas.openxmlformats.org/presentationml/2006/ole">
-            <p:oleObj spid="_x0000_s11267" name="Clip" r:id="rId4" imgW="845640" imgH="938520" progId="">
-              <p:embed/>
-            </p:oleObj>
+            <mc:AlternateContent xmlns:mc="http://schemas.openxmlformats.org/markup-compatibility/2006">
+              <mc:Choice xmlns:v="urn:schemas-microsoft-com:vml" Requires="v">
+                <p:oleObj spid="_x0000_s11283" name="Clip" r:id="rId6" imgW="845640" imgH="938520" progId="">
+                  <p:embed/>
+                </p:oleObj>
+              </mc:Choice>
+              <mc:Fallback>
+                <p:oleObj name="Clip" r:id="rId6" imgW="845640" imgH="938520" progId="">
+                  <p:embed/>
+                  <p:pic>
+                    <p:nvPicPr>
+                      <p:cNvPr id="0" name="Object 6"/>
+                      <p:cNvPicPr>
+                        <a:picLocks noChangeAspect="1" noChangeArrowheads="1"/>
+                      </p:cNvPicPr>
+                      <p:nvPr/>
+                    </p:nvPicPr>
+                    <p:blipFill>
+                      <a:blip r:embed="rId7">
+                        <a:extLst>
+                          <a:ext uri="{28A0092B-C50C-407E-A947-70E740481C1C}">
+                            <a14:useLocalDpi xmlns:a14="http://schemas.microsoft.com/office/drawing/2010/main" val="0"/>
+                          </a:ext>
+                        </a:extLst>
+                      </a:blip>
+                      <a:srcRect/>
+                      <a:stretch>
+                        <a:fillRect/>
+                      </a:stretch>
+                    </p:blipFill>
+                    <p:spPr bwMode="auto">
+                      <a:xfrm>
+                        <a:off x="250825" y="80963"/>
+                        <a:ext cx="812800" cy="903287"/>
+                      </a:xfrm>
+                      <a:prstGeom prst="rect">
+                        <a:avLst/>
+                      </a:prstGeom>
+                      <a:noFill/>
+                      <a:extLst>
+                        <a:ext uri="{909E8E84-426E-40DD-AFC4-6F175D3DCCD1}">
+                          <a14:hiddenFill xmlns:a14="http://schemas.microsoft.com/office/drawing/2010/main">
+                            <a:solidFill>
+                              <a:srgbClr val="FFFFFF"/>
+                            </a:solidFill>
+                          </a14:hiddenFill>
+                        </a:ext>
+                      </a:extLst>
+                    </p:spPr>
+                  </p:pic>
+                </p:oleObj>
+              </mc:Fallback>
+            </mc:AlternateContent>
           </a:graphicData>
         </a:graphic>
       </p:graphicFrame>
@@ -6475,9 +7372,59 @@
         </p:xfrm>
         <a:graphic>
           <a:graphicData uri="http://schemas.openxmlformats.org/presentationml/2006/ole">
-            <p:oleObj spid="_x0000_s12290" name="Picture" r:id="rId3" imgW="5311080" imgH="739080" progId="Word.Picture.8">
-              <p:embed/>
-            </p:oleObj>
+            <mc:AlternateContent xmlns:mc="http://schemas.openxmlformats.org/markup-compatibility/2006">
+              <mc:Choice xmlns:v="urn:schemas-microsoft-com:vml" Requires="v">
+                <p:oleObj spid="_x0000_s12306" name="Picture" r:id="rId3" imgW="5311080" imgH="739080" progId="Word.Picture.8">
+                  <p:embed/>
+                </p:oleObj>
+              </mc:Choice>
+              <mc:Fallback>
+                <p:oleObj name="Picture" r:id="rId3" imgW="5311080" imgH="739080" progId="Word.Picture.8">
+                  <p:embed/>
+                  <p:pic>
+                    <p:nvPicPr>
+                      <p:cNvPr id="0" name="Object 4"/>
+                      <p:cNvPicPr>
+                        <a:picLocks noChangeAspect="1" noChangeArrowheads="1"/>
+                      </p:cNvPicPr>
+                      <p:nvPr/>
+                    </p:nvPicPr>
+                    <p:blipFill>
+                      <a:blip r:embed="rId4">
+                        <a:extLst>
+                          <a:ext uri="{28A0092B-C50C-407E-A947-70E740481C1C}">
+                            <a14:useLocalDpi xmlns:a14="http://schemas.microsoft.com/office/drawing/2010/main" val="0"/>
+                          </a:ext>
+                        </a:extLst>
+                      </a:blip>
+                      <a:srcRect/>
+                      <a:stretch>
+                        <a:fillRect/>
+                      </a:stretch>
+                    </p:blipFill>
+                    <p:spPr bwMode="auto">
+                      <a:xfrm>
+                        <a:off x="411163" y="5067300"/>
+                        <a:ext cx="8732837" cy="1371600"/>
+                      </a:xfrm>
+                      <a:prstGeom prst="rect">
+                        <a:avLst/>
+                      </a:prstGeom>
+                      <a:noFill/>
+                      <a:extLst>
+                        <a:ext uri="{909E8E84-426E-40DD-AFC4-6F175D3DCCD1}">
+                          <a14:hiddenFill xmlns:a14="http://schemas.microsoft.com/office/drawing/2010/main">
+                            <a:solidFill>
+                              <a:srgbClr val="FFFFFF"/>
+                            </a:solidFill>
+                          </a14:hiddenFill>
+                        </a:ext>
+                      </a:extLst>
+                    </p:spPr>
+                  </p:pic>
+                </p:oleObj>
+              </mc:Fallback>
+            </mc:AlternateContent>
           </a:graphicData>
         </a:graphic>
       </p:graphicFrame>
@@ -6495,9 +7442,59 @@
         </p:xfrm>
         <a:graphic>
           <a:graphicData uri="http://schemas.openxmlformats.org/presentationml/2006/ole">
-            <p:oleObj spid="_x0000_s12291" name="Clip" r:id="rId4" imgW="845640" imgH="938520" progId="">
-              <p:embed/>
-            </p:oleObj>
+            <mc:AlternateContent xmlns:mc="http://schemas.openxmlformats.org/markup-compatibility/2006">
+              <mc:Choice xmlns:v="urn:schemas-microsoft-com:vml" Requires="v">
+                <p:oleObj spid="_x0000_s12307" name="Clip" r:id="rId5" imgW="845640" imgH="938520" progId="">
+                  <p:embed/>
+                </p:oleObj>
+              </mc:Choice>
+              <mc:Fallback>
+                <p:oleObj name="Clip" r:id="rId5" imgW="845640" imgH="938520" progId="">
+                  <p:embed/>
+                  <p:pic>
+                    <p:nvPicPr>
+                      <p:cNvPr id="0" name="Object 6"/>
+                      <p:cNvPicPr>
+                        <a:picLocks noChangeAspect="1" noChangeArrowheads="1"/>
+                      </p:cNvPicPr>
+                      <p:nvPr/>
+                    </p:nvPicPr>
+                    <p:blipFill>
+                      <a:blip r:embed="rId6">
+                        <a:extLst>
+                          <a:ext uri="{28A0092B-C50C-407E-A947-70E740481C1C}">
+                            <a14:useLocalDpi xmlns:a14="http://schemas.microsoft.com/office/drawing/2010/main" val="0"/>
+                          </a:ext>
+                        </a:extLst>
+                      </a:blip>
+                      <a:srcRect/>
+                      <a:stretch>
+                        <a:fillRect/>
+                      </a:stretch>
+                    </p:blipFill>
+                    <p:spPr bwMode="auto">
+                      <a:xfrm>
+                        <a:off x="250825" y="80963"/>
+                        <a:ext cx="812800" cy="903287"/>
+                      </a:xfrm>
+                      <a:prstGeom prst="rect">
+                        <a:avLst/>
+                      </a:prstGeom>
+                      <a:noFill/>
+                      <a:extLst>
+                        <a:ext uri="{909E8E84-426E-40DD-AFC4-6F175D3DCCD1}">
+                          <a14:hiddenFill xmlns:a14="http://schemas.microsoft.com/office/drawing/2010/main">
+                            <a:solidFill>
+                              <a:srgbClr val="FFFFFF"/>
+                            </a:solidFill>
+                          </a14:hiddenFill>
+                        </a:ext>
+                      </a:extLst>
+                    </p:spPr>
+                  </p:pic>
+                </p:oleObj>
+              </mc:Fallback>
+            </mc:AlternateContent>
           </a:graphicData>
         </a:graphic>
       </p:graphicFrame>
@@ -7024,9 +8021,59 @@
         </p:xfrm>
         <a:graphic>
           <a:graphicData uri="http://schemas.openxmlformats.org/presentationml/2006/ole">
-            <p:oleObj spid="_x0000_s13314" name="Clip" r:id="rId3" imgW="845640" imgH="938520" progId="">
-              <p:embed/>
-            </p:oleObj>
+            <mc:AlternateContent xmlns:mc="http://schemas.openxmlformats.org/markup-compatibility/2006">
+              <mc:Choice xmlns:v="urn:schemas-microsoft-com:vml" Requires="v">
+                <p:oleObj spid="_x0000_s13322" name="Clip" r:id="rId3" imgW="845640" imgH="938520" progId="">
+                  <p:embed/>
+                </p:oleObj>
+              </mc:Choice>
+              <mc:Fallback>
+                <p:oleObj name="Clip" r:id="rId3" imgW="845640" imgH="938520" progId="">
+                  <p:embed/>
+                  <p:pic>
+                    <p:nvPicPr>
+                      <p:cNvPr id="0" name="Object 5"/>
+                      <p:cNvPicPr>
+                        <a:picLocks noChangeAspect="1" noChangeArrowheads="1"/>
+                      </p:cNvPicPr>
+                      <p:nvPr/>
+                    </p:nvPicPr>
+                    <p:blipFill>
+                      <a:blip r:embed="rId4">
+                        <a:extLst>
+                          <a:ext uri="{28A0092B-C50C-407E-A947-70E740481C1C}">
+                            <a14:useLocalDpi xmlns:a14="http://schemas.microsoft.com/office/drawing/2010/main" val="0"/>
+                          </a:ext>
+                        </a:extLst>
+                      </a:blip>
+                      <a:srcRect/>
+                      <a:stretch>
+                        <a:fillRect/>
+                      </a:stretch>
+                    </p:blipFill>
+                    <p:spPr bwMode="auto">
+                      <a:xfrm>
+                        <a:off x="250825" y="80963"/>
+                        <a:ext cx="812800" cy="903287"/>
+                      </a:xfrm>
+                      <a:prstGeom prst="rect">
+                        <a:avLst/>
+                      </a:prstGeom>
+                      <a:noFill/>
+                      <a:extLst>
+                        <a:ext uri="{909E8E84-426E-40DD-AFC4-6F175D3DCCD1}">
+                          <a14:hiddenFill xmlns:a14="http://schemas.microsoft.com/office/drawing/2010/main">
+                            <a:solidFill>
+                              <a:srgbClr val="FFFFFF"/>
+                            </a:solidFill>
+                          </a14:hiddenFill>
+                        </a:ext>
+                      </a:extLst>
+                    </p:spPr>
+                  </p:pic>
+                </p:oleObj>
+              </mc:Fallback>
+            </mc:AlternateContent>
           </a:graphicData>
         </a:graphic>
       </p:graphicFrame>
@@ -7467,9 +8514,59 @@
         </p:xfrm>
         <a:graphic>
           <a:graphicData uri="http://schemas.openxmlformats.org/presentationml/2006/ole">
-            <p:oleObj spid="_x0000_s14338" name="Clip" r:id="rId3" imgW="845640" imgH="938520" progId="">
-              <p:embed/>
-            </p:oleObj>
+            <mc:AlternateContent xmlns:mc="http://schemas.openxmlformats.org/markup-compatibility/2006">
+              <mc:Choice xmlns:v="urn:schemas-microsoft-com:vml" Requires="v">
+                <p:oleObj spid="_x0000_s14346" name="Clip" r:id="rId3" imgW="845640" imgH="938520" progId="">
+                  <p:embed/>
+                </p:oleObj>
+              </mc:Choice>
+              <mc:Fallback>
+                <p:oleObj name="Clip" r:id="rId3" imgW="845640" imgH="938520" progId="">
+                  <p:embed/>
+                  <p:pic>
+                    <p:nvPicPr>
+                      <p:cNvPr id="0" name="Object 5"/>
+                      <p:cNvPicPr>
+                        <a:picLocks noChangeAspect="1" noChangeArrowheads="1"/>
+                      </p:cNvPicPr>
+                      <p:nvPr/>
+                    </p:nvPicPr>
+                    <p:blipFill>
+                      <a:blip r:embed="rId4">
+                        <a:extLst>
+                          <a:ext uri="{28A0092B-C50C-407E-A947-70E740481C1C}">
+                            <a14:useLocalDpi xmlns:a14="http://schemas.microsoft.com/office/drawing/2010/main" val="0"/>
+                          </a:ext>
+                        </a:extLst>
+                      </a:blip>
+                      <a:srcRect/>
+                      <a:stretch>
+                        <a:fillRect/>
+                      </a:stretch>
+                    </p:blipFill>
+                    <p:spPr bwMode="auto">
+                      <a:xfrm>
+                        <a:off x="250825" y="80963"/>
+                        <a:ext cx="812800" cy="903287"/>
+                      </a:xfrm>
+                      <a:prstGeom prst="rect">
+                        <a:avLst/>
+                      </a:prstGeom>
+                      <a:noFill/>
+                      <a:extLst>
+                        <a:ext uri="{909E8E84-426E-40DD-AFC4-6F175D3DCCD1}">
+                          <a14:hiddenFill xmlns:a14="http://schemas.microsoft.com/office/drawing/2010/main">
+                            <a:solidFill>
+                              <a:srgbClr val="FFFFFF"/>
+                            </a:solidFill>
+                          </a14:hiddenFill>
+                        </a:ext>
+                      </a:extLst>
+                    </p:spPr>
+                  </p:pic>
+                </p:oleObj>
+              </mc:Fallback>
+            </mc:AlternateContent>
           </a:graphicData>
         </a:graphic>
       </p:graphicFrame>
@@ -7775,23 +8872,8 @@
                 </a:solidFill>
                 <a:latin typeface="Arial" pitchFamily="34" charset="0"/>
               </a:rPr>
-              <a:t>          ”Book request </a:t>
-            </a:r>
-            <a:r>
-              <a:rPr lang="en-US" altLang="en-US" dirty="0" smtClean="0">
-                <a:solidFill>
-                  <a:srgbClr val="5F5F5F"/>
-                </a:solidFill>
-                <a:latin typeface="Arial" pitchFamily="34" charset="0"/>
-              </a:rPr>
-              <a:t>satisfied“ </a:t>
-            </a:r>
-            <a:endParaRPr lang="en-US" altLang="en-US" dirty="0" smtClean="0">
-              <a:solidFill>
-                <a:srgbClr val="5F5F5F"/>
-              </a:solidFill>
-              <a:latin typeface="Arial" pitchFamily="34" charset="0"/>
-            </a:endParaRPr>
+              <a:t>          ”Book request satisfied“ </a:t>
+            </a:r>
           </a:p>
         </p:txBody>
       </p:sp>
@@ -7809,9 +8891,59 @@
         </p:xfrm>
         <a:graphic>
           <a:graphicData uri="http://schemas.openxmlformats.org/presentationml/2006/ole">
-            <p:oleObj spid="_x0000_s15362" name="Clip" r:id="rId3" imgW="845640" imgH="938520" progId="">
-              <p:embed/>
-            </p:oleObj>
+            <mc:AlternateContent xmlns:mc="http://schemas.openxmlformats.org/markup-compatibility/2006">
+              <mc:Choice xmlns:v="urn:schemas-microsoft-com:vml" Requires="v">
+                <p:oleObj spid="_x0000_s15370" name="Clip" r:id="rId3" imgW="845640" imgH="938520" progId="">
+                  <p:embed/>
+                </p:oleObj>
+              </mc:Choice>
+              <mc:Fallback>
+                <p:oleObj name="Clip" r:id="rId3" imgW="845640" imgH="938520" progId="">
+                  <p:embed/>
+                  <p:pic>
+                    <p:nvPicPr>
+                      <p:cNvPr id="0" name="Object 5"/>
+                      <p:cNvPicPr>
+                        <a:picLocks noChangeAspect="1" noChangeArrowheads="1"/>
+                      </p:cNvPicPr>
+                      <p:nvPr/>
+                    </p:nvPicPr>
+                    <p:blipFill>
+                      <a:blip r:embed="rId4">
+                        <a:extLst>
+                          <a:ext uri="{28A0092B-C50C-407E-A947-70E740481C1C}">
+                            <a14:useLocalDpi xmlns:a14="http://schemas.microsoft.com/office/drawing/2010/main" val="0"/>
+                          </a:ext>
+                        </a:extLst>
+                      </a:blip>
+                      <a:srcRect/>
+                      <a:stretch>
+                        <a:fillRect/>
+                      </a:stretch>
+                    </p:blipFill>
+                    <p:spPr bwMode="auto">
+                      <a:xfrm>
+                        <a:off x="250825" y="80963"/>
+                        <a:ext cx="812800" cy="903287"/>
+                      </a:xfrm>
+                      <a:prstGeom prst="rect">
+                        <a:avLst/>
+                      </a:prstGeom>
+                      <a:noFill/>
+                      <a:extLst>
+                        <a:ext uri="{909E8E84-426E-40DD-AFC4-6F175D3DCCD1}">
+                          <a14:hiddenFill xmlns:a14="http://schemas.microsoft.com/office/drawing/2010/main">
+                            <a:solidFill>
+                              <a:srgbClr val="FFFFFF"/>
+                            </a:solidFill>
+                          </a14:hiddenFill>
+                        </a:ext>
+                      </a:extLst>
+                    </p:spPr>
+                  </p:pic>
+                </p:oleObj>
+              </mc:Fallback>
+            </mc:AlternateContent>
           </a:graphicData>
         </a:graphic>
       </p:graphicFrame>
@@ -8195,9 +9327,59 @@
         </p:xfrm>
         <a:graphic>
           <a:graphicData uri="http://schemas.openxmlformats.org/presentationml/2006/ole">
-            <p:oleObj spid="_x0000_s16386" name="Clip" r:id="rId3" imgW="845640" imgH="938520" progId="">
-              <p:embed/>
-            </p:oleObj>
+            <mc:AlternateContent xmlns:mc="http://schemas.openxmlformats.org/markup-compatibility/2006">
+              <mc:Choice xmlns:v="urn:schemas-microsoft-com:vml" Requires="v">
+                <p:oleObj spid="_x0000_s16394" name="Clip" r:id="rId3" imgW="845640" imgH="938520" progId="">
+                  <p:embed/>
+                </p:oleObj>
+              </mc:Choice>
+              <mc:Fallback>
+                <p:oleObj name="Clip" r:id="rId3" imgW="845640" imgH="938520" progId="">
+                  <p:embed/>
+                  <p:pic>
+                    <p:nvPicPr>
+                      <p:cNvPr id="0" name="Object 5"/>
+                      <p:cNvPicPr>
+                        <a:picLocks noChangeAspect="1" noChangeArrowheads="1"/>
+                      </p:cNvPicPr>
+                      <p:nvPr/>
+                    </p:nvPicPr>
+                    <p:blipFill>
+                      <a:blip r:embed="rId4">
+                        <a:extLst>
+                          <a:ext uri="{28A0092B-C50C-407E-A947-70E740481C1C}">
+                            <a14:useLocalDpi xmlns:a14="http://schemas.microsoft.com/office/drawing/2010/main" val="0"/>
+                          </a:ext>
+                        </a:extLst>
+                      </a:blip>
+                      <a:srcRect/>
+                      <a:stretch>
+                        <a:fillRect/>
+                      </a:stretch>
+                    </p:blipFill>
+                    <p:spPr bwMode="auto">
+                      <a:xfrm>
+                        <a:off x="250825" y="80963"/>
+                        <a:ext cx="812800" cy="903287"/>
+                      </a:xfrm>
+                      <a:prstGeom prst="rect">
+                        <a:avLst/>
+                      </a:prstGeom>
+                      <a:noFill/>
+                      <a:extLst>
+                        <a:ext uri="{909E8E84-426E-40DD-AFC4-6F175D3DCCD1}">
+                          <a14:hiddenFill xmlns:a14="http://schemas.microsoft.com/office/drawing/2010/main">
+                            <a:solidFill>
+                              <a:srgbClr val="FFFFFF"/>
+                            </a:solidFill>
+                          </a14:hiddenFill>
+                        </a:ext>
+                      </a:extLst>
+                    </p:spPr>
+                  </p:pic>
+                </p:oleObj>
+              </mc:Fallback>
+            </mc:AlternateContent>
           </a:graphicData>
         </a:graphic>
       </p:graphicFrame>
@@ -8276,9 +9458,59 @@
         </p:xfrm>
         <a:graphic>
           <a:graphicData uri="http://schemas.openxmlformats.org/presentationml/2006/ole">
-            <p:oleObj spid="_x0000_s17410" name="Clip" r:id="rId3" imgW="845640" imgH="938520" progId="">
-              <p:embed/>
-            </p:oleObj>
+            <mc:AlternateContent xmlns:mc="http://schemas.openxmlformats.org/markup-compatibility/2006">
+              <mc:Choice xmlns:v="urn:schemas-microsoft-com:vml" Requires="v">
+                <p:oleObj spid="_x0000_s17426" name="Clip" r:id="rId3" imgW="845640" imgH="938520" progId="">
+                  <p:embed/>
+                </p:oleObj>
+              </mc:Choice>
+              <mc:Fallback>
+                <p:oleObj name="Clip" r:id="rId3" imgW="845640" imgH="938520" progId="">
+                  <p:embed/>
+                  <p:pic>
+                    <p:nvPicPr>
+                      <p:cNvPr id="0" name="Object 48"/>
+                      <p:cNvPicPr>
+                        <a:picLocks noChangeAspect="1" noChangeArrowheads="1"/>
+                      </p:cNvPicPr>
+                      <p:nvPr/>
+                    </p:nvPicPr>
+                    <p:blipFill>
+                      <a:blip r:embed="rId4">
+                        <a:extLst>
+                          <a:ext uri="{28A0092B-C50C-407E-A947-70E740481C1C}">
+                            <a14:useLocalDpi xmlns:a14="http://schemas.microsoft.com/office/drawing/2010/main" val="0"/>
+                          </a:ext>
+                        </a:extLst>
+                      </a:blip>
+                      <a:srcRect/>
+                      <a:stretch>
+                        <a:fillRect/>
+                      </a:stretch>
+                    </p:blipFill>
+                    <p:spPr bwMode="auto">
+                      <a:xfrm>
+                        <a:off x="179388" y="80963"/>
+                        <a:ext cx="854075" cy="949325"/>
+                      </a:xfrm>
+                      <a:prstGeom prst="rect">
+                        <a:avLst/>
+                      </a:prstGeom>
+                      <a:noFill/>
+                      <a:extLst>
+                        <a:ext uri="{909E8E84-426E-40DD-AFC4-6F175D3DCCD1}">
+                          <a14:hiddenFill xmlns:a14="http://schemas.microsoft.com/office/drawing/2010/main">
+                            <a:solidFill>
+                              <a:srgbClr val="FFFFFF"/>
+                            </a:solidFill>
+                          </a14:hiddenFill>
+                        </a:ext>
+                      </a:extLst>
+                    </p:spPr>
+                  </p:pic>
+                </p:oleObj>
+              </mc:Fallback>
+            </mc:AlternateContent>
           </a:graphicData>
         </a:graphic>
       </p:graphicFrame>
@@ -8418,9 +9650,59 @@
         </p:xfrm>
         <a:graphic>
           <a:graphicData uri="http://schemas.openxmlformats.org/presentationml/2006/ole">
-            <p:oleObj spid="_x0000_s17411" name="Picture" r:id="rId4" imgW="6480720" imgH="2629440" progId="Word.Picture.8">
-              <p:embed/>
-            </p:oleObj>
+            <mc:AlternateContent xmlns:mc="http://schemas.openxmlformats.org/markup-compatibility/2006">
+              <mc:Choice xmlns:v="urn:schemas-microsoft-com:vml" Requires="v">
+                <p:oleObj spid="_x0000_s17427" name="Picture" r:id="rId5" imgW="6480720" imgH="2629440" progId="Word.Picture.8">
+                  <p:embed/>
+                </p:oleObj>
+              </mc:Choice>
+              <mc:Fallback>
+                <p:oleObj name="Picture" r:id="rId5" imgW="6480720" imgH="2629440" progId="Word.Picture.8">
+                  <p:embed/>
+                  <p:pic>
+                    <p:nvPicPr>
+                      <p:cNvPr id="0" name="Object 62"/>
+                      <p:cNvPicPr>
+                        <a:picLocks noChangeAspect="1" noChangeArrowheads="1"/>
+                      </p:cNvPicPr>
+                      <p:nvPr/>
+                    </p:nvPicPr>
+                    <p:blipFill>
+                      <a:blip r:embed="rId6">
+                        <a:extLst>
+                          <a:ext uri="{28A0092B-C50C-407E-A947-70E740481C1C}">
+                            <a14:useLocalDpi xmlns:a14="http://schemas.microsoft.com/office/drawing/2010/main" val="0"/>
+                          </a:ext>
+                        </a:extLst>
+                      </a:blip>
+                      <a:srcRect/>
+                      <a:stretch>
+                        <a:fillRect/>
+                      </a:stretch>
+                    </p:blipFill>
+                    <p:spPr bwMode="auto">
+                      <a:xfrm>
+                        <a:off x="0" y="1011238"/>
+                        <a:ext cx="9144000" cy="4572000"/>
+                      </a:xfrm>
+                      <a:prstGeom prst="rect">
+                        <a:avLst/>
+                      </a:prstGeom>
+                      <a:noFill/>
+                      <a:extLst>
+                        <a:ext uri="{909E8E84-426E-40DD-AFC4-6F175D3DCCD1}">
+                          <a14:hiddenFill xmlns:a14="http://schemas.microsoft.com/office/drawing/2010/main">
+                            <a:solidFill>
+                              <a:srgbClr val="FFFFFF"/>
+                            </a:solidFill>
+                          </a14:hiddenFill>
+                        </a:ext>
+                      </a:extLst>
+                    </p:spPr>
+                  </p:pic>
+                </p:oleObj>
+              </mc:Fallback>
+            </mc:AlternateContent>
           </a:graphicData>
         </a:graphic>
       </p:graphicFrame>
@@ -8637,9 +9919,59 @@
         </p:xfrm>
         <a:graphic>
           <a:graphicData uri="http://schemas.openxmlformats.org/presentationml/2006/ole">
-            <p:oleObj spid="_x0000_s1026" name="Clip" r:id="rId3" imgW="845640" imgH="938520" progId="">
-              <p:embed/>
-            </p:oleObj>
+            <mc:AlternateContent xmlns:mc="http://schemas.openxmlformats.org/markup-compatibility/2006">
+              <mc:Choice xmlns:v="urn:schemas-microsoft-com:vml" Requires="v">
+                <p:oleObj spid="_x0000_s1034" name="Clip" r:id="rId3" imgW="845640" imgH="938520" progId="">
+                  <p:embed/>
+                </p:oleObj>
+              </mc:Choice>
+              <mc:Fallback>
+                <p:oleObj name="Clip" r:id="rId3" imgW="845640" imgH="938520" progId="">
+                  <p:embed/>
+                  <p:pic>
+                    <p:nvPicPr>
+                      <p:cNvPr id="0" name="Object 6"/>
+                      <p:cNvPicPr>
+                        <a:picLocks noChangeAspect="1" noChangeArrowheads="1"/>
+                      </p:cNvPicPr>
+                      <p:nvPr/>
+                    </p:nvPicPr>
+                    <p:blipFill>
+                      <a:blip r:embed="rId4">
+                        <a:extLst>
+                          <a:ext uri="{28A0092B-C50C-407E-A947-70E740481C1C}">
+                            <a14:useLocalDpi xmlns:a14="http://schemas.microsoft.com/office/drawing/2010/main" val="0"/>
+                          </a:ext>
+                        </a:extLst>
+                      </a:blip>
+                      <a:srcRect/>
+                      <a:stretch>
+                        <a:fillRect/>
+                      </a:stretch>
+                    </p:blipFill>
+                    <p:spPr bwMode="auto">
+                      <a:xfrm>
+                        <a:off x="157163" y="87313"/>
+                        <a:ext cx="723900" cy="804862"/>
+                      </a:xfrm>
+                      <a:prstGeom prst="rect">
+                        <a:avLst/>
+                      </a:prstGeom>
+                      <a:noFill/>
+                      <a:extLst>
+                        <a:ext uri="{909E8E84-426E-40DD-AFC4-6F175D3DCCD1}">
+                          <a14:hiddenFill xmlns:a14="http://schemas.microsoft.com/office/drawing/2010/main">
+                            <a:solidFill>
+                              <a:srgbClr val="FFFFFF"/>
+                            </a:solidFill>
+                          </a14:hiddenFill>
+                        </a:ext>
+                      </a:extLst>
+                    </p:spPr>
+                  </p:pic>
+                </p:oleObj>
+              </mc:Fallback>
+            </mc:AlternateContent>
           </a:graphicData>
         </a:graphic>
       </p:graphicFrame>
@@ -8992,9 +10324,59 @@
         </p:xfrm>
         <a:graphic>
           <a:graphicData uri="http://schemas.openxmlformats.org/presentationml/2006/ole">
-            <p:oleObj spid="_x0000_s18434" name="Clip" r:id="rId3" imgW="845640" imgH="938520" progId="">
-              <p:embed/>
-            </p:oleObj>
+            <mc:AlternateContent xmlns:mc="http://schemas.openxmlformats.org/markup-compatibility/2006">
+              <mc:Choice xmlns:v="urn:schemas-microsoft-com:vml" Requires="v">
+                <p:oleObj spid="_x0000_s18442" name="Clip" r:id="rId3" imgW="845640" imgH="938520" progId="">
+                  <p:embed/>
+                </p:oleObj>
+              </mc:Choice>
+              <mc:Fallback>
+                <p:oleObj name="Clip" r:id="rId3" imgW="845640" imgH="938520" progId="">
+                  <p:embed/>
+                  <p:pic>
+                    <p:nvPicPr>
+                      <p:cNvPr id="0" name="Object 4"/>
+                      <p:cNvPicPr>
+                        <a:picLocks noChangeAspect="1" noChangeArrowheads="1"/>
+                      </p:cNvPicPr>
+                      <p:nvPr/>
+                    </p:nvPicPr>
+                    <p:blipFill>
+                      <a:blip r:embed="rId4">
+                        <a:extLst>
+                          <a:ext uri="{28A0092B-C50C-407E-A947-70E740481C1C}">
+                            <a14:useLocalDpi xmlns:a14="http://schemas.microsoft.com/office/drawing/2010/main" val="0"/>
+                          </a:ext>
+                        </a:extLst>
+                      </a:blip>
+                      <a:srcRect/>
+                      <a:stretch>
+                        <a:fillRect/>
+                      </a:stretch>
+                    </p:blipFill>
+                    <p:spPr bwMode="auto">
+                      <a:xfrm>
+                        <a:off x="179388" y="80963"/>
+                        <a:ext cx="854075" cy="949325"/>
+                      </a:xfrm>
+                      <a:prstGeom prst="rect">
+                        <a:avLst/>
+                      </a:prstGeom>
+                      <a:noFill/>
+                      <a:extLst>
+                        <a:ext uri="{909E8E84-426E-40DD-AFC4-6F175D3DCCD1}">
+                          <a14:hiddenFill xmlns:a14="http://schemas.microsoft.com/office/drawing/2010/main">
+                            <a:solidFill>
+                              <a:srgbClr val="FFFFFF"/>
+                            </a:solidFill>
+                          </a14:hiddenFill>
+                        </a:ext>
+                      </a:extLst>
+                    </p:spPr>
+                  </p:pic>
+                </p:oleObj>
+              </mc:Fallback>
+            </mc:AlternateContent>
           </a:graphicData>
         </a:graphic>
       </p:graphicFrame>
@@ -9650,9 +11032,59 @@
         </p:xfrm>
         <a:graphic>
           <a:graphicData uri="http://schemas.openxmlformats.org/presentationml/2006/ole">
-            <p:oleObj spid="_x0000_s19458" name="Picture" r:id="rId3" imgW="5760720" imgH="1279440" progId="Word.Picture.8">
-              <p:embed/>
-            </p:oleObj>
+            <mc:AlternateContent xmlns:mc="http://schemas.openxmlformats.org/markup-compatibility/2006">
+              <mc:Choice xmlns:v="urn:schemas-microsoft-com:vml" Requires="v">
+                <p:oleObj spid="_x0000_s19466" name="Picture" r:id="rId3" imgW="5760720" imgH="1279440" progId="Word.Picture.8">
+                  <p:embed/>
+                </p:oleObj>
+              </mc:Choice>
+              <mc:Fallback>
+                <p:oleObj name="Picture" r:id="rId3" imgW="5760720" imgH="1279440" progId="Word.Picture.8">
+                  <p:embed/>
+                  <p:pic>
+                    <p:nvPicPr>
+                      <p:cNvPr id="0" name="Object 13"/>
+                      <p:cNvPicPr>
+                        <a:picLocks noChangeAspect="1" noChangeArrowheads="1"/>
+                      </p:cNvPicPr>
+                      <p:nvPr/>
+                    </p:nvPicPr>
+                    <p:blipFill>
+                      <a:blip r:embed="rId4">
+                        <a:extLst>
+                          <a:ext uri="{28A0092B-C50C-407E-A947-70E740481C1C}">
+                            <a14:useLocalDpi xmlns:a14="http://schemas.microsoft.com/office/drawing/2010/main" val="0"/>
+                          </a:ext>
+                        </a:extLst>
+                      </a:blip>
+                      <a:srcRect/>
+                      <a:stretch>
+                        <a:fillRect/>
+                      </a:stretch>
+                    </p:blipFill>
+                    <p:spPr bwMode="auto">
+                      <a:xfrm>
+                        <a:off x="0" y="4000500"/>
+                        <a:ext cx="9144000" cy="2460625"/>
+                      </a:xfrm>
+                      <a:prstGeom prst="rect">
+                        <a:avLst/>
+                      </a:prstGeom>
+                      <a:noFill/>
+                      <a:extLst>
+                        <a:ext uri="{909E8E84-426E-40DD-AFC4-6F175D3DCCD1}">
+                          <a14:hiddenFill xmlns:a14="http://schemas.microsoft.com/office/drawing/2010/main">
+                            <a:solidFill>
+                              <a:srgbClr val="FFFFFF"/>
+                            </a:solidFill>
+                          </a14:hiddenFill>
+                        </a:ext>
+                      </a:extLst>
+                    </p:spPr>
+                  </p:pic>
+                </p:oleObj>
+              </mc:Fallback>
+            </mc:AlternateContent>
           </a:graphicData>
         </a:graphic>
       </p:graphicFrame>
@@ -11860,9 +13292,60 @@
         </p:xfrm>
         <a:graphic>
           <a:graphicData uri="http://schemas.openxmlformats.org/presentationml/2006/ole">
-            <p:oleObj spid="_x0000_s20482" name="Picture" r:id="rId3" imgW="4770000" imgH="1369800" progId="Word.Picture.8">
-              <p:embed/>
-            </p:oleObj>
+            <mc:AlternateContent xmlns:mc="http://schemas.openxmlformats.org/markup-compatibility/2006">
+              <mc:Choice xmlns:v="urn:schemas-microsoft-com:vml" Requires="v">
+                <p:oleObj spid="_x0000_s20490" name="Picture" r:id="rId3" imgW="4770000" imgH="1369800" progId="Word.Picture.8">
+                  <p:embed/>
+                </p:oleObj>
+              </mc:Choice>
+              <mc:Fallback>
+                <p:oleObj name="Picture" r:id="rId3" imgW="4770000" imgH="1369800" progId="Word.Picture.8">
+                  <p:embed/>
+                  <p:pic>
+                    <p:nvPicPr>
+                      <p:cNvPr id="0" name="Object 14"/>
+                      <p:cNvPicPr>
+                        <a:picLocks noChangeAspect="1" noChangeArrowheads="1"/>
+                      </p:cNvPicPr>
+                      <p:nvPr/>
+                    </p:nvPicPr>
+                    <p:blipFill>
+                      <a:blip r:embed="rId4">
+                        <a:lum contrast="-6000"/>
+                        <a:extLst>
+                          <a:ext uri="{28A0092B-C50C-407E-A947-70E740481C1C}">
+                            <a14:useLocalDpi xmlns:a14="http://schemas.microsoft.com/office/drawing/2010/main" val="0"/>
+                          </a:ext>
+                        </a:extLst>
+                      </a:blip>
+                      <a:srcRect/>
+                      <a:stretch>
+                        <a:fillRect/>
+                      </a:stretch>
+                    </p:blipFill>
+                    <p:spPr bwMode="auto">
+                      <a:xfrm>
+                        <a:off x="144463" y="2563813"/>
+                        <a:ext cx="9142412" cy="2827337"/>
+                      </a:xfrm>
+                      <a:prstGeom prst="rect">
+                        <a:avLst/>
+                      </a:prstGeom>
+                      <a:noFill/>
+                      <a:extLst>
+                        <a:ext uri="{909E8E84-426E-40DD-AFC4-6F175D3DCCD1}">
+                          <a14:hiddenFill xmlns:a14="http://schemas.microsoft.com/office/drawing/2010/main">
+                            <a:solidFill>
+                              <a:srgbClr val="FFFFFF"/>
+                            </a:solidFill>
+                          </a14:hiddenFill>
+                        </a:ext>
+                      </a:extLst>
+                    </p:spPr>
+                  </p:pic>
+                </p:oleObj>
+              </mc:Fallback>
+            </mc:AlternateContent>
           </a:graphicData>
         </a:graphic>
       </p:graphicFrame>
@@ -14677,9 +16160,67 @@
         </p:xfrm>
         <a:graphic>
           <a:graphicData uri="http://schemas.openxmlformats.org/presentationml/2006/ole">
-            <p:oleObj spid="_x0000_s21506" name="Clip" r:id="rId3" imgW="875520" imgH="767160" progId="">
-              <p:embed/>
-            </p:oleObj>
+            <mc:AlternateContent xmlns:mc="http://schemas.openxmlformats.org/markup-compatibility/2006">
+              <mc:Choice xmlns:v="urn:schemas-microsoft-com:vml" Requires="v">
+                <p:oleObj spid="_x0000_s21514" name="Clip" r:id="rId3" imgW="875520" imgH="767160" progId="">
+                  <p:embed/>
+                </p:oleObj>
+              </mc:Choice>
+              <mc:Fallback>
+                <p:oleObj name="Clip" r:id="rId3" imgW="875520" imgH="767160" progId="">
+                  <p:embed/>
+                  <p:pic>
+                    <p:nvPicPr>
+                      <p:cNvPr id="0" name="Object 39"/>
+                      <p:cNvPicPr>
+                        <a:picLocks noChangeAspect="1" noChangeArrowheads="1"/>
+                      </p:cNvPicPr>
+                      <p:nvPr/>
+                    </p:nvPicPr>
+                    <p:blipFill>
+                      <a:blip r:embed="rId4">
+                        <a:extLst>
+                          <a:ext uri="{28A0092B-C50C-407E-A947-70E740481C1C}">
+                            <a14:useLocalDpi xmlns:a14="http://schemas.microsoft.com/office/drawing/2010/main" val="0"/>
+                          </a:ext>
+                        </a:extLst>
+                      </a:blip>
+                      <a:srcRect/>
+                      <a:stretch>
+                        <a:fillRect/>
+                      </a:stretch>
+                    </p:blipFill>
+                    <p:spPr bwMode="auto">
+                      <a:xfrm>
+                        <a:off x="73025" y="65088"/>
+                        <a:ext cx="976313" cy="855662"/>
+                      </a:xfrm>
+                      <a:prstGeom prst="rect">
+                        <a:avLst/>
+                      </a:prstGeom>
+                      <a:solidFill>
+                        <a:schemeClr val="accent1"/>
+                      </a:solidFill>
+                      <a:ln>
+                        <a:noFill/>
+                      </a:ln>
+                      <a:extLst>
+                        <a:ext uri="{91240B29-F687-4F45-9708-019B960494DF}">
+                          <a14:hiddenLine xmlns:a14="http://schemas.microsoft.com/office/drawing/2010/main" w="9525">
+                            <a:solidFill>
+                              <a:schemeClr val="tx1"/>
+                            </a:solidFill>
+                            <a:miter lim="800000"/>
+                            <a:headEnd/>
+                            <a:tailEnd/>
+                          </a14:hiddenLine>
+                        </a:ext>
+                      </a:extLst>
+                    </p:spPr>
+                  </p:pic>
+                </p:oleObj>
+              </mc:Fallback>
+            </mc:AlternateContent>
           </a:graphicData>
         </a:graphic>
       </p:graphicFrame>
@@ -15519,9 +17060,59 @@
         </p:xfrm>
         <a:graphic>
           <a:graphicData uri="http://schemas.openxmlformats.org/presentationml/2006/ole">
-            <p:oleObj spid="_x0000_s2050" name="Clip" r:id="rId3" imgW="845640" imgH="938520" progId="">
-              <p:embed/>
-            </p:oleObj>
+            <mc:AlternateContent xmlns:mc="http://schemas.openxmlformats.org/markup-compatibility/2006">
+              <mc:Choice xmlns:v="urn:schemas-microsoft-com:vml" Requires="v">
+                <p:oleObj spid="_x0000_s2074" name="Clip" r:id="rId3" imgW="845640" imgH="938520" progId="">
+                  <p:embed/>
+                </p:oleObj>
+              </mc:Choice>
+              <mc:Fallback>
+                <p:oleObj name="Clip" r:id="rId3" imgW="845640" imgH="938520" progId="">
+                  <p:embed/>
+                  <p:pic>
+                    <p:nvPicPr>
+                      <p:cNvPr id="0" name="Object 5"/>
+                      <p:cNvPicPr>
+                        <a:picLocks noChangeAspect="1" noChangeArrowheads="1"/>
+                      </p:cNvPicPr>
+                      <p:nvPr/>
+                    </p:nvPicPr>
+                    <p:blipFill>
+                      <a:blip r:embed="rId4">
+                        <a:extLst>
+                          <a:ext uri="{28A0092B-C50C-407E-A947-70E740481C1C}">
+                            <a14:useLocalDpi xmlns:a14="http://schemas.microsoft.com/office/drawing/2010/main" val="0"/>
+                          </a:ext>
+                        </a:extLst>
+                      </a:blip>
+                      <a:srcRect/>
+                      <a:stretch>
+                        <a:fillRect/>
+                      </a:stretch>
+                    </p:blipFill>
+                    <p:spPr bwMode="auto">
+                      <a:xfrm>
+                        <a:off x="250825" y="80963"/>
+                        <a:ext cx="812800" cy="903287"/>
+                      </a:xfrm>
+                      <a:prstGeom prst="rect">
+                        <a:avLst/>
+                      </a:prstGeom>
+                      <a:noFill/>
+                      <a:extLst>
+                        <a:ext uri="{909E8E84-426E-40DD-AFC4-6F175D3DCCD1}">
+                          <a14:hiddenFill xmlns:a14="http://schemas.microsoft.com/office/drawing/2010/main">
+                            <a:solidFill>
+                              <a:srgbClr val="FFFFFF"/>
+                            </a:solidFill>
+                          </a14:hiddenFill>
+                        </a:ext>
+                      </a:extLst>
+                    </p:spPr>
+                  </p:pic>
+                </p:oleObj>
+              </mc:Fallback>
+            </mc:AlternateContent>
           </a:graphicData>
         </a:graphic>
       </p:graphicFrame>
@@ -15539,9 +17130,59 @@
         </p:xfrm>
         <a:graphic>
           <a:graphicData uri="http://schemas.openxmlformats.org/presentationml/2006/ole">
-            <p:oleObj spid="_x0000_s2051" name="Clip" r:id="rId4" imgW="5096880" imgH="2642760" progId="">
-              <p:embed/>
-            </p:oleObj>
+            <mc:AlternateContent xmlns:mc="http://schemas.openxmlformats.org/markup-compatibility/2006">
+              <mc:Choice xmlns:v="urn:schemas-microsoft-com:vml" Requires="v">
+                <p:oleObj spid="_x0000_s2075" name="Clip" r:id="rId5" imgW="5096880" imgH="2642760" progId="">
+                  <p:embed/>
+                </p:oleObj>
+              </mc:Choice>
+              <mc:Fallback>
+                <p:oleObj name="Clip" r:id="rId5" imgW="5096880" imgH="2642760" progId="">
+                  <p:embed/>
+                  <p:pic>
+                    <p:nvPicPr>
+                      <p:cNvPr id="0" name="Object 6"/>
+                      <p:cNvPicPr>
+                        <a:picLocks noChangeAspect="1" noChangeArrowheads="1"/>
+                      </p:cNvPicPr>
+                      <p:nvPr/>
+                    </p:nvPicPr>
+                    <p:blipFill>
+                      <a:blip r:embed="rId6">
+                        <a:extLst>
+                          <a:ext uri="{28A0092B-C50C-407E-A947-70E740481C1C}">
+                            <a14:useLocalDpi xmlns:a14="http://schemas.microsoft.com/office/drawing/2010/main" val="0"/>
+                          </a:ext>
+                        </a:extLst>
+                      </a:blip>
+                      <a:srcRect/>
+                      <a:stretch>
+                        <a:fillRect/>
+                      </a:stretch>
+                    </p:blipFill>
+                    <p:spPr bwMode="auto">
+                      <a:xfrm flipH="1">
+                        <a:off x="7969250" y="3057525"/>
+                        <a:ext cx="712788" cy="442913"/>
+                      </a:xfrm>
+                      <a:prstGeom prst="rect">
+                        <a:avLst/>
+                      </a:prstGeom>
+                      <a:noFill/>
+                      <a:extLst>
+                        <a:ext uri="{909E8E84-426E-40DD-AFC4-6F175D3DCCD1}">
+                          <a14:hiddenFill xmlns:a14="http://schemas.microsoft.com/office/drawing/2010/main">
+                            <a:solidFill>
+                              <a:srgbClr val="FFFFFF"/>
+                            </a:solidFill>
+                          </a14:hiddenFill>
+                        </a:ext>
+                      </a:extLst>
+                    </p:spPr>
+                  </p:pic>
+                </p:oleObj>
+              </mc:Fallback>
+            </mc:AlternateContent>
           </a:graphicData>
         </a:graphic>
       </p:graphicFrame>
@@ -15559,9 +17200,72 @@
         </p:xfrm>
         <a:graphic>
           <a:graphicData uri="http://schemas.openxmlformats.org/presentationml/2006/ole">
-            <p:oleObj spid="_x0000_s2052" name="Clip" r:id="rId5" imgW="707040" imgH="759960" progId="">
-              <p:embed/>
-            </p:oleObj>
+            <mc:AlternateContent xmlns:mc="http://schemas.openxmlformats.org/markup-compatibility/2006">
+              <mc:Choice xmlns:v="urn:schemas-microsoft-com:vml" Requires="v">
+                <p:oleObj spid="_x0000_s2076" name="Clip" r:id="rId7" imgW="707040" imgH="759960" progId="">
+                  <p:embed/>
+                </p:oleObj>
+              </mc:Choice>
+              <mc:Fallback>
+                <p:oleObj name="Clip" r:id="rId7" imgW="707040" imgH="759960" progId="">
+                  <p:embed/>
+                  <p:pic>
+                    <p:nvPicPr>
+                      <p:cNvPr id="0" name="Object 7"/>
+                      <p:cNvPicPr>
+                        <a:picLocks noChangeAspect="1" noChangeArrowheads="1"/>
+                      </p:cNvPicPr>
+                      <p:nvPr/>
+                    </p:nvPicPr>
+                    <p:blipFill>
+                      <a:blip r:embed="rId8">
+                        <a:extLst>
+                          <a:ext uri="{28A0092B-C50C-407E-A947-70E740481C1C}">
+                            <a14:useLocalDpi xmlns:a14="http://schemas.microsoft.com/office/drawing/2010/main" val="0"/>
+                          </a:ext>
+                        </a:extLst>
+                      </a:blip>
+                      <a:srcRect/>
+                      <a:stretch>
+                        <a:fillRect/>
+                      </a:stretch>
+                    </p:blipFill>
+                    <p:spPr bwMode="auto">
+                      <a:xfrm>
+                        <a:off x="6784975" y="3519488"/>
+                        <a:ext cx="538163" cy="512762"/>
+                      </a:xfrm>
+                      <a:prstGeom prst="rect">
+                        <a:avLst/>
+                      </a:prstGeom>
+                      <a:noFill/>
+                      <a:ln>
+                        <a:noFill/>
+                      </a:ln>
+                      <a:extLst>
+                        <a:ext uri="{909E8E84-426E-40DD-AFC4-6F175D3DCCD1}">
+                          <a14:hiddenFill xmlns:a14="http://schemas.microsoft.com/office/drawing/2010/main">
+                            <a:solidFill>
+                              <a:schemeClr val="accent1"/>
+                            </a:solidFill>
+                          </a14:hiddenFill>
+                        </a:ext>
+                        <a:ext uri="{91240B29-F687-4F45-9708-019B960494DF}">
+                          <a14:hiddenLine xmlns:a14="http://schemas.microsoft.com/office/drawing/2010/main" w="9525">
+                            <a:solidFill>
+                              <a:schemeClr val="tx1"/>
+                            </a:solidFill>
+                            <a:miter lim="800000"/>
+                            <a:headEnd/>
+                            <a:tailEnd/>
+                          </a14:hiddenLine>
+                        </a:ext>
+                      </a:extLst>
+                    </p:spPr>
+                  </p:pic>
+                </p:oleObj>
+              </mc:Fallback>
+            </mc:AlternateContent>
           </a:graphicData>
         </a:graphic>
       </p:graphicFrame>
@@ -16179,9 +17883,59 @@
         </p:xfrm>
         <a:graphic>
           <a:graphicData uri="http://schemas.openxmlformats.org/presentationml/2006/ole">
-            <p:oleObj spid="_x0000_s3074" name="Clip" r:id="rId4" imgW="1088640" imgH="1174680" progId="">
-              <p:embed/>
-            </p:oleObj>
+            <mc:AlternateContent xmlns:mc="http://schemas.openxmlformats.org/markup-compatibility/2006">
+              <mc:Choice xmlns:v="urn:schemas-microsoft-com:vml" Requires="v">
+                <p:oleObj spid="_x0000_s3098" name="Clip" r:id="rId4" imgW="1088640" imgH="1174680" progId="">
+                  <p:embed/>
+                </p:oleObj>
+              </mc:Choice>
+              <mc:Fallback>
+                <p:oleObj name="Clip" r:id="rId4" imgW="1088640" imgH="1174680" progId="">
+                  <p:embed/>
+                  <p:pic>
+                    <p:nvPicPr>
+                      <p:cNvPr id="0" name="Object 4"/>
+                      <p:cNvPicPr>
+                        <a:picLocks noChangeAspect="1" noChangeArrowheads="1"/>
+                      </p:cNvPicPr>
+                      <p:nvPr/>
+                    </p:nvPicPr>
+                    <p:blipFill>
+                      <a:blip r:embed="rId5">
+                        <a:extLst>
+                          <a:ext uri="{28A0092B-C50C-407E-A947-70E740481C1C}">
+                            <a14:useLocalDpi xmlns:a14="http://schemas.microsoft.com/office/drawing/2010/main" val="0"/>
+                          </a:ext>
+                        </a:extLst>
+                      </a:blip>
+                      <a:srcRect/>
+                      <a:stretch>
+                        <a:fillRect/>
+                      </a:stretch>
+                    </p:blipFill>
+                    <p:spPr bwMode="auto">
+                      <a:xfrm>
+                        <a:off x="114300" y="128588"/>
+                        <a:ext cx="812800" cy="876300"/>
+                      </a:xfrm>
+                      <a:prstGeom prst="rect">
+                        <a:avLst/>
+                      </a:prstGeom>
+                      <a:noFill/>
+                      <a:extLst>
+                        <a:ext uri="{909E8E84-426E-40DD-AFC4-6F175D3DCCD1}">
+                          <a14:hiddenFill xmlns:a14="http://schemas.microsoft.com/office/drawing/2010/main">
+                            <a:solidFill>
+                              <a:srgbClr val="FFFFFF"/>
+                            </a:solidFill>
+                          </a14:hiddenFill>
+                        </a:ext>
+                      </a:extLst>
+                    </p:spPr>
+                  </p:pic>
+                </p:oleObj>
+              </mc:Fallback>
+            </mc:AlternateContent>
           </a:graphicData>
         </a:graphic>
       </p:graphicFrame>
@@ -16199,9 +17953,59 @@
         </p:xfrm>
         <a:graphic>
           <a:graphicData uri="http://schemas.openxmlformats.org/presentationml/2006/ole">
-            <p:oleObj spid="_x0000_s3075" name="Clip" r:id="rId5" imgW="5096880" imgH="2642760" progId="">
-              <p:embed/>
-            </p:oleObj>
+            <mc:AlternateContent xmlns:mc="http://schemas.openxmlformats.org/markup-compatibility/2006">
+              <mc:Choice xmlns:v="urn:schemas-microsoft-com:vml" Requires="v">
+                <p:oleObj spid="_x0000_s3099" name="Clip" r:id="rId6" imgW="5096880" imgH="2642760" progId="">
+                  <p:embed/>
+                </p:oleObj>
+              </mc:Choice>
+              <mc:Fallback>
+                <p:oleObj name="Clip" r:id="rId6" imgW="5096880" imgH="2642760" progId="">
+                  <p:embed/>
+                  <p:pic>
+                    <p:nvPicPr>
+                      <p:cNvPr id="0" name="Object 5"/>
+                      <p:cNvPicPr>
+                        <a:picLocks noChangeAspect="1" noChangeArrowheads="1"/>
+                      </p:cNvPicPr>
+                      <p:nvPr/>
+                    </p:nvPicPr>
+                    <p:blipFill>
+                      <a:blip r:embed="rId7">
+                        <a:extLst>
+                          <a:ext uri="{28A0092B-C50C-407E-A947-70E740481C1C}">
+                            <a14:useLocalDpi xmlns:a14="http://schemas.microsoft.com/office/drawing/2010/main" val="0"/>
+                          </a:ext>
+                        </a:extLst>
+                      </a:blip>
+                      <a:srcRect/>
+                      <a:stretch>
+                        <a:fillRect/>
+                      </a:stretch>
+                    </p:blipFill>
+                    <p:spPr bwMode="auto">
+                      <a:xfrm flipH="1">
+                        <a:off x="8083550" y="1074738"/>
+                        <a:ext cx="631825" cy="392112"/>
+                      </a:xfrm>
+                      <a:prstGeom prst="rect">
+                        <a:avLst/>
+                      </a:prstGeom>
+                      <a:noFill/>
+                      <a:extLst>
+                        <a:ext uri="{909E8E84-426E-40DD-AFC4-6F175D3DCCD1}">
+                          <a14:hiddenFill xmlns:a14="http://schemas.microsoft.com/office/drawing/2010/main">
+                            <a:solidFill>
+                              <a:srgbClr val="FFFFFF"/>
+                            </a:solidFill>
+                          </a14:hiddenFill>
+                        </a:ext>
+                      </a:extLst>
+                    </p:spPr>
+                  </p:pic>
+                </p:oleObj>
+              </mc:Fallback>
+            </mc:AlternateContent>
           </a:graphicData>
         </a:graphic>
       </p:graphicFrame>
@@ -16219,9 +18023,72 @@
         </p:xfrm>
         <a:graphic>
           <a:graphicData uri="http://schemas.openxmlformats.org/presentationml/2006/ole">
-            <p:oleObj spid="_x0000_s3076" name="Clip" r:id="rId6" imgW="707040" imgH="759960" progId="">
-              <p:embed/>
-            </p:oleObj>
+            <mc:AlternateContent xmlns:mc="http://schemas.openxmlformats.org/markup-compatibility/2006">
+              <mc:Choice xmlns:v="urn:schemas-microsoft-com:vml" Requires="v">
+                <p:oleObj spid="_x0000_s3100" name="Clip" r:id="rId8" imgW="707040" imgH="759960" progId="">
+                  <p:embed/>
+                </p:oleObj>
+              </mc:Choice>
+              <mc:Fallback>
+                <p:oleObj name="Clip" r:id="rId8" imgW="707040" imgH="759960" progId="">
+                  <p:embed/>
+                  <p:pic>
+                    <p:nvPicPr>
+                      <p:cNvPr id="0" name="Object 6"/>
+                      <p:cNvPicPr>
+                        <a:picLocks noChangeAspect="1" noChangeArrowheads="1"/>
+                      </p:cNvPicPr>
+                      <p:nvPr/>
+                    </p:nvPicPr>
+                    <p:blipFill>
+                      <a:blip r:embed="rId9">
+                        <a:extLst>
+                          <a:ext uri="{28A0092B-C50C-407E-A947-70E740481C1C}">
+                            <a14:useLocalDpi xmlns:a14="http://schemas.microsoft.com/office/drawing/2010/main" val="0"/>
+                          </a:ext>
+                        </a:extLst>
+                      </a:blip>
+                      <a:srcRect/>
+                      <a:stretch>
+                        <a:fillRect/>
+                      </a:stretch>
+                    </p:blipFill>
+                    <p:spPr bwMode="auto">
+                      <a:xfrm>
+                        <a:off x="8104188" y="2328863"/>
+                        <a:ext cx="536575" cy="600075"/>
+                      </a:xfrm>
+                      <a:prstGeom prst="rect">
+                        <a:avLst/>
+                      </a:prstGeom>
+                      <a:noFill/>
+                      <a:ln>
+                        <a:noFill/>
+                      </a:ln>
+                      <a:extLst>
+                        <a:ext uri="{909E8E84-426E-40DD-AFC4-6F175D3DCCD1}">
+                          <a14:hiddenFill xmlns:a14="http://schemas.microsoft.com/office/drawing/2010/main">
+                            <a:solidFill>
+                              <a:schemeClr val="accent1"/>
+                            </a:solidFill>
+                          </a14:hiddenFill>
+                        </a:ext>
+                        <a:ext uri="{91240B29-F687-4F45-9708-019B960494DF}">
+                          <a14:hiddenLine xmlns:a14="http://schemas.microsoft.com/office/drawing/2010/main" w="9525">
+                            <a:solidFill>
+                              <a:schemeClr val="tx1"/>
+                            </a:solidFill>
+                            <a:miter lim="800000"/>
+                            <a:headEnd/>
+                            <a:tailEnd/>
+                          </a14:hiddenLine>
+                        </a:ext>
+                      </a:extLst>
+                    </p:spPr>
+                  </p:pic>
+                </p:oleObj>
+              </mc:Fallback>
+            </mc:AlternateContent>
           </a:graphicData>
         </a:graphic>
       </p:graphicFrame>
@@ -16542,9 +18409,59 @@
         </p:xfrm>
         <a:graphic>
           <a:graphicData uri="http://schemas.openxmlformats.org/presentationml/2006/ole">
-            <p:oleObj spid="_x0000_s4098" name="Clip" r:id="rId3" imgW="845640" imgH="938520" progId="">
-              <p:embed/>
-            </p:oleObj>
+            <mc:AlternateContent xmlns:mc="http://schemas.openxmlformats.org/markup-compatibility/2006">
+              <mc:Choice xmlns:v="urn:schemas-microsoft-com:vml" Requires="v">
+                <p:oleObj spid="_x0000_s4106" name="Clip" r:id="rId3" imgW="845640" imgH="938520" progId="">
+                  <p:embed/>
+                </p:oleObj>
+              </mc:Choice>
+              <mc:Fallback>
+                <p:oleObj name="Clip" r:id="rId3" imgW="845640" imgH="938520" progId="">
+                  <p:embed/>
+                  <p:pic>
+                    <p:nvPicPr>
+                      <p:cNvPr id="0" name="Object 5"/>
+                      <p:cNvPicPr>
+                        <a:picLocks noChangeAspect="1" noChangeArrowheads="1"/>
+                      </p:cNvPicPr>
+                      <p:nvPr/>
+                    </p:nvPicPr>
+                    <p:blipFill>
+                      <a:blip r:embed="rId4">
+                        <a:extLst>
+                          <a:ext uri="{28A0092B-C50C-407E-A947-70E740481C1C}">
+                            <a14:useLocalDpi xmlns:a14="http://schemas.microsoft.com/office/drawing/2010/main" val="0"/>
+                          </a:ext>
+                        </a:extLst>
+                      </a:blip>
+                      <a:srcRect/>
+                      <a:stretch>
+                        <a:fillRect/>
+                      </a:stretch>
+                    </p:blipFill>
+                    <p:spPr bwMode="auto">
+                      <a:xfrm>
+                        <a:off x="250825" y="80963"/>
+                        <a:ext cx="812800" cy="903287"/>
+                      </a:xfrm>
+                      <a:prstGeom prst="rect">
+                        <a:avLst/>
+                      </a:prstGeom>
+                      <a:noFill/>
+                      <a:extLst>
+                        <a:ext uri="{909E8E84-426E-40DD-AFC4-6F175D3DCCD1}">
+                          <a14:hiddenFill xmlns:a14="http://schemas.microsoft.com/office/drawing/2010/main">
+                            <a:solidFill>
+                              <a:srgbClr val="FFFFFF"/>
+                            </a:solidFill>
+                          </a14:hiddenFill>
+                        </a:ext>
+                      </a:extLst>
+                    </p:spPr>
+                  </p:pic>
+                </p:oleObj>
+              </mc:Fallback>
+            </mc:AlternateContent>
           </a:graphicData>
         </a:graphic>
       </p:graphicFrame>
@@ -16909,9 +18826,59 @@
         </p:xfrm>
         <a:graphic>
           <a:graphicData uri="http://schemas.openxmlformats.org/presentationml/2006/ole">
-            <p:oleObj spid="_x0000_s5122" name="Clip" r:id="rId3" imgW="845640" imgH="938520" progId="">
-              <p:embed/>
-            </p:oleObj>
+            <mc:AlternateContent xmlns:mc="http://schemas.openxmlformats.org/markup-compatibility/2006">
+              <mc:Choice xmlns:v="urn:schemas-microsoft-com:vml" Requires="v">
+                <p:oleObj spid="_x0000_s5162" name="Clip" r:id="rId3" imgW="845640" imgH="938520" progId="">
+                  <p:embed/>
+                </p:oleObj>
+              </mc:Choice>
+              <mc:Fallback>
+                <p:oleObj name="Clip" r:id="rId3" imgW="845640" imgH="938520" progId="">
+                  <p:embed/>
+                  <p:pic>
+                    <p:nvPicPr>
+                      <p:cNvPr id="0" name="Object 5"/>
+                      <p:cNvPicPr>
+                        <a:picLocks noChangeAspect="1" noChangeArrowheads="1"/>
+                      </p:cNvPicPr>
+                      <p:nvPr/>
+                    </p:nvPicPr>
+                    <p:blipFill>
+                      <a:blip r:embed="rId4">
+                        <a:extLst>
+                          <a:ext uri="{28A0092B-C50C-407E-A947-70E740481C1C}">
+                            <a14:useLocalDpi xmlns:a14="http://schemas.microsoft.com/office/drawing/2010/main" val="0"/>
+                          </a:ext>
+                        </a:extLst>
+                      </a:blip>
+                      <a:srcRect/>
+                      <a:stretch>
+                        <a:fillRect/>
+                      </a:stretch>
+                    </p:blipFill>
+                    <p:spPr bwMode="auto">
+                      <a:xfrm>
+                        <a:off x="250825" y="80963"/>
+                        <a:ext cx="812800" cy="903287"/>
+                      </a:xfrm>
+                      <a:prstGeom prst="rect">
+                        <a:avLst/>
+                      </a:prstGeom>
+                      <a:noFill/>
+                      <a:extLst>
+                        <a:ext uri="{909E8E84-426E-40DD-AFC4-6F175D3DCCD1}">
+                          <a14:hiddenFill xmlns:a14="http://schemas.microsoft.com/office/drawing/2010/main">
+                            <a:solidFill>
+                              <a:srgbClr val="FFFFFF"/>
+                            </a:solidFill>
+                          </a14:hiddenFill>
+                        </a:ext>
+                      </a:extLst>
+                    </p:spPr>
+                  </p:pic>
+                </p:oleObj>
+              </mc:Fallback>
+            </mc:AlternateContent>
           </a:graphicData>
         </a:graphic>
       </p:graphicFrame>
@@ -16929,9 +18896,59 @@
         </p:xfrm>
         <a:graphic>
           <a:graphicData uri="http://schemas.openxmlformats.org/presentationml/2006/ole">
-            <p:oleObj spid="_x0000_s5123" name="Clip" r:id="rId4" imgW="5096880" imgH="2642760" progId="">
-              <p:embed/>
-            </p:oleObj>
+            <mc:AlternateContent xmlns:mc="http://schemas.openxmlformats.org/markup-compatibility/2006">
+              <mc:Choice xmlns:v="urn:schemas-microsoft-com:vml" Requires="v">
+                <p:oleObj spid="_x0000_s5163" name="Clip" r:id="rId5" imgW="5096880" imgH="2642760" progId="">
+                  <p:embed/>
+                </p:oleObj>
+              </mc:Choice>
+              <mc:Fallback>
+                <p:oleObj name="Clip" r:id="rId5" imgW="5096880" imgH="2642760" progId="">
+                  <p:embed/>
+                  <p:pic>
+                    <p:nvPicPr>
+                      <p:cNvPr id="0" name="Object 6"/>
+                      <p:cNvPicPr>
+                        <a:picLocks noChangeAspect="1" noChangeArrowheads="1"/>
+                      </p:cNvPicPr>
+                      <p:nvPr/>
+                    </p:nvPicPr>
+                    <p:blipFill>
+                      <a:blip r:embed="rId6">
+                        <a:extLst>
+                          <a:ext uri="{28A0092B-C50C-407E-A947-70E740481C1C}">
+                            <a14:useLocalDpi xmlns:a14="http://schemas.microsoft.com/office/drawing/2010/main" val="0"/>
+                          </a:ext>
+                        </a:extLst>
+                      </a:blip>
+                      <a:srcRect/>
+                      <a:stretch>
+                        <a:fillRect/>
+                      </a:stretch>
+                    </p:blipFill>
+                    <p:spPr bwMode="auto">
+                      <a:xfrm flipH="1">
+                        <a:off x="6488113" y="2474913"/>
+                        <a:ext cx="715962" cy="444500"/>
+                      </a:xfrm>
+                      <a:prstGeom prst="rect">
+                        <a:avLst/>
+                      </a:prstGeom>
+                      <a:noFill/>
+                      <a:extLst>
+                        <a:ext uri="{909E8E84-426E-40DD-AFC4-6F175D3DCCD1}">
+                          <a14:hiddenFill xmlns:a14="http://schemas.microsoft.com/office/drawing/2010/main">
+                            <a:solidFill>
+                              <a:srgbClr val="FFFFFF"/>
+                            </a:solidFill>
+                          </a14:hiddenFill>
+                        </a:ext>
+                      </a:extLst>
+                    </p:spPr>
+                  </p:pic>
+                </p:oleObj>
+              </mc:Fallback>
+            </mc:AlternateContent>
           </a:graphicData>
         </a:graphic>
       </p:graphicFrame>
@@ -16949,9 +18966,72 @@
         </p:xfrm>
         <a:graphic>
           <a:graphicData uri="http://schemas.openxmlformats.org/presentationml/2006/ole">
-            <p:oleObj spid="_x0000_s5124" name="Clip" r:id="rId5" imgW="707040" imgH="759960" progId="">
-              <p:embed/>
-            </p:oleObj>
+            <mc:AlternateContent xmlns:mc="http://schemas.openxmlformats.org/markup-compatibility/2006">
+              <mc:Choice xmlns:v="urn:schemas-microsoft-com:vml" Requires="v">
+                <p:oleObj spid="_x0000_s5164" name="Clip" r:id="rId7" imgW="707040" imgH="759960" progId="">
+                  <p:embed/>
+                </p:oleObj>
+              </mc:Choice>
+              <mc:Fallback>
+                <p:oleObj name="Clip" r:id="rId7" imgW="707040" imgH="759960" progId="">
+                  <p:embed/>
+                  <p:pic>
+                    <p:nvPicPr>
+                      <p:cNvPr id="0" name="Object 9"/>
+                      <p:cNvPicPr>
+                        <a:picLocks noChangeAspect="1" noChangeArrowheads="1"/>
+                      </p:cNvPicPr>
+                      <p:nvPr/>
+                    </p:nvPicPr>
+                    <p:blipFill>
+                      <a:blip r:embed="rId8">
+                        <a:extLst>
+                          <a:ext uri="{28A0092B-C50C-407E-A947-70E740481C1C}">
+                            <a14:useLocalDpi xmlns:a14="http://schemas.microsoft.com/office/drawing/2010/main" val="0"/>
+                          </a:ext>
+                        </a:extLst>
+                      </a:blip>
+                      <a:srcRect/>
+                      <a:stretch>
+                        <a:fillRect/>
+                      </a:stretch>
+                    </p:blipFill>
+                    <p:spPr bwMode="auto">
+                      <a:xfrm>
+                        <a:off x="5824538" y="2952750"/>
+                        <a:ext cx="538162" cy="498475"/>
+                      </a:xfrm>
+                      <a:prstGeom prst="rect">
+                        <a:avLst/>
+                      </a:prstGeom>
+                      <a:noFill/>
+                      <a:ln>
+                        <a:noFill/>
+                      </a:ln>
+                      <a:extLst>
+                        <a:ext uri="{909E8E84-426E-40DD-AFC4-6F175D3DCCD1}">
+                          <a14:hiddenFill xmlns:a14="http://schemas.microsoft.com/office/drawing/2010/main">
+                            <a:solidFill>
+                              <a:schemeClr val="accent1"/>
+                            </a:solidFill>
+                          </a14:hiddenFill>
+                        </a:ext>
+                        <a:ext uri="{91240B29-F687-4F45-9708-019B960494DF}">
+                          <a14:hiddenLine xmlns:a14="http://schemas.microsoft.com/office/drawing/2010/main" w="9525">
+                            <a:solidFill>
+                              <a:schemeClr val="tx1"/>
+                            </a:solidFill>
+                            <a:miter lim="800000"/>
+                            <a:headEnd/>
+                            <a:tailEnd/>
+                          </a14:hiddenLine>
+                        </a:ext>
+                      </a:extLst>
+                    </p:spPr>
+                  </p:pic>
+                </p:oleObj>
+              </mc:Fallback>
+            </mc:AlternateContent>
           </a:graphicData>
         </a:graphic>
       </p:graphicFrame>
@@ -16969,9 +19049,72 @@
         </p:xfrm>
         <a:graphic>
           <a:graphicData uri="http://schemas.openxmlformats.org/presentationml/2006/ole">
-            <p:oleObj spid="_x0000_s5125" name="Clip" r:id="rId6" imgW="707040" imgH="759960" progId="">
-              <p:embed/>
-            </p:oleObj>
+            <mc:AlternateContent xmlns:mc="http://schemas.openxmlformats.org/markup-compatibility/2006">
+              <mc:Choice xmlns:v="urn:schemas-microsoft-com:vml" Requires="v">
+                <p:oleObj spid="_x0000_s5165" name="Clip" r:id="rId9" imgW="707040" imgH="759960" progId="">
+                  <p:embed/>
+                </p:oleObj>
+              </mc:Choice>
+              <mc:Fallback>
+                <p:oleObj name="Clip" r:id="rId9" imgW="707040" imgH="759960" progId="">
+                  <p:embed/>
+                  <p:pic>
+                    <p:nvPicPr>
+                      <p:cNvPr id="0" name="Object 12"/>
+                      <p:cNvPicPr>
+                        <a:picLocks noChangeAspect="1" noChangeArrowheads="1"/>
+                      </p:cNvPicPr>
+                      <p:nvPr/>
+                    </p:nvPicPr>
+                    <p:blipFill>
+                      <a:blip r:embed="rId8">
+                        <a:extLst>
+                          <a:ext uri="{28A0092B-C50C-407E-A947-70E740481C1C}">
+                            <a14:useLocalDpi xmlns:a14="http://schemas.microsoft.com/office/drawing/2010/main" val="0"/>
+                          </a:ext>
+                        </a:extLst>
+                      </a:blip>
+                      <a:srcRect/>
+                      <a:stretch>
+                        <a:fillRect/>
+                      </a:stretch>
+                    </p:blipFill>
+                    <p:spPr bwMode="auto">
+                      <a:xfrm>
+                        <a:off x="7675563" y="4584700"/>
+                        <a:ext cx="538162" cy="498475"/>
+                      </a:xfrm>
+                      <a:prstGeom prst="rect">
+                        <a:avLst/>
+                      </a:prstGeom>
+                      <a:noFill/>
+                      <a:ln>
+                        <a:noFill/>
+                      </a:ln>
+                      <a:extLst>
+                        <a:ext uri="{909E8E84-426E-40DD-AFC4-6F175D3DCCD1}">
+                          <a14:hiddenFill xmlns:a14="http://schemas.microsoft.com/office/drawing/2010/main">
+                            <a:solidFill>
+                              <a:schemeClr val="accent1"/>
+                            </a:solidFill>
+                          </a14:hiddenFill>
+                        </a:ext>
+                        <a:ext uri="{91240B29-F687-4F45-9708-019B960494DF}">
+                          <a14:hiddenLine xmlns:a14="http://schemas.microsoft.com/office/drawing/2010/main" w="9525">
+                            <a:solidFill>
+                              <a:schemeClr val="tx1"/>
+                            </a:solidFill>
+                            <a:miter lim="800000"/>
+                            <a:headEnd/>
+                            <a:tailEnd/>
+                          </a14:hiddenLine>
+                        </a:ext>
+                      </a:extLst>
+                    </p:spPr>
+                  </p:pic>
+                </p:oleObj>
+              </mc:Fallback>
+            </mc:AlternateContent>
           </a:graphicData>
         </a:graphic>
       </p:graphicFrame>
@@ -16989,9 +19132,59 @@
         </p:xfrm>
         <a:graphic>
           <a:graphicData uri="http://schemas.openxmlformats.org/presentationml/2006/ole">
-            <p:oleObj spid="_x0000_s5126" name="Clip" r:id="rId7" imgW="5096880" imgH="2642760" progId="">
-              <p:embed/>
-            </p:oleObj>
+            <mc:AlternateContent xmlns:mc="http://schemas.openxmlformats.org/markup-compatibility/2006">
+              <mc:Choice xmlns:v="urn:schemas-microsoft-com:vml" Requires="v">
+                <p:oleObj spid="_x0000_s5166" name="Clip" r:id="rId10" imgW="5096880" imgH="2642760" progId="">
+                  <p:embed/>
+                </p:oleObj>
+              </mc:Choice>
+              <mc:Fallback>
+                <p:oleObj name="Clip" r:id="rId10" imgW="5096880" imgH="2642760" progId="">
+                  <p:embed/>
+                  <p:pic>
+                    <p:nvPicPr>
+                      <p:cNvPr id="0" name="Object 13"/>
+                      <p:cNvPicPr>
+                        <a:picLocks noChangeAspect="1" noChangeArrowheads="1"/>
+                      </p:cNvPicPr>
+                      <p:nvPr/>
+                    </p:nvPicPr>
+                    <p:blipFill>
+                      <a:blip r:embed="rId6">
+                        <a:extLst>
+                          <a:ext uri="{28A0092B-C50C-407E-A947-70E740481C1C}">
+                            <a14:useLocalDpi xmlns:a14="http://schemas.microsoft.com/office/drawing/2010/main" val="0"/>
+                          </a:ext>
+                        </a:extLst>
+                      </a:blip>
+                      <a:srcRect/>
+                      <a:stretch>
+                        <a:fillRect/>
+                      </a:stretch>
+                    </p:blipFill>
+                    <p:spPr bwMode="auto">
+                      <a:xfrm flipH="1">
+                        <a:off x="6711950" y="4041775"/>
+                        <a:ext cx="715963" cy="444500"/>
+                      </a:xfrm>
+                      <a:prstGeom prst="rect">
+                        <a:avLst/>
+                      </a:prstGeom>
+                      <a:noFill/>
+                      <a:extLst>
+                        <a:ext uri="{909E8E84-426E-40DD-AFC4-6F175D3DCCD1}">
+                          <a14:hiddenFill xmlns:a14="http://schemas.microsoft.com/office/drawing/2010/main">
+                            <a:solidFill>
+                              <a:srgbClr val="FFFFFF"/>
+                            </a:solidFill>
+                          </a14:hiddenFill>
+                        </a:ext>
+                      </a:extLst>
+                    </p:spPr>
+                  </p:pic>
+                </p:oleObj>
+              </mc:Fallback>
+            </mc:AlternateContent>
           </a:graphicData>
         </a:graphic>
       </p:graphicFrame>
@@ -17471,9 +19664,59 @@
         </p:xfrm>
         <a:graphic>
           <a:graphicData uri="http://schemas.openxmlformats.org/presentationml/2006/ole">
-            <p:oleObj spid="_x0000_s6146" name="Clip" r:id="rId3" imgW="1088640" imgH="1174680" progId="">
-              <p:embed/>
-            </p:oleObj>
+            <mc:AlternateContent xmlns:mc="http://schemas.openxmlformats.org/markup-compatibility/2006">
+              <mc:Choice xmlns:v="urn:schemas-microsoft-com:vml" Requires="v">
+                <p:oleObj spid="_x0000_s6162" name="Clip" r:id="rId3" imgW="1088640" imgH="1174680" progId="">
+                  <p:embed/>
+                </p:oleObj>
+              </mc:Choice>
+              <mc:Fallback>
+                <p:oleObj name="Clip" r:id="rId3" imgW="1088640" imgH="1174680" progId="">
+                  <p:embed/>
+                  <p:pic>
+                    <p:nvPicPr>
+                      <p:cNvPr id="0" name="Object 4"/>
+                      <p:cNvPicPr>
+                        <a:picLocks noChangeAspect="1" noChangeArrowheads="1"/>
+                      </p:cNvPicPr>
+                      <p:nvPr/>
+                    </p:nvPicPr>
+                    <p:blipFill>
+                      <a:blip r:embed="rId4">
+                        <a:extLst>
+                          <a:ext uri="{28A0092B-C50C-407E-A947-70E740481C1C}">
+                            <a14:useLocalDpi xmlns:a14="http://schemas.microsoft.com/office/drawing/2010/main" val="0"/>
+                          </a:ext>
+                        </a:extLst>
+                      </a:blip>
+                      <a:srcRect/>
+                      <a:stretch>
+                        <a:fillRect/>
+                      </a:stretch>
+                    </p:blipFill>
+                    <p:spPr bwMode="auto">
+                      <a:xfrm>
+                        <a:off x="8166100" y="187325"/>
+                        <a:ext cx="820738" cy="885825"/>
+                      </a:xfrm>
+                      <a:prstGeom prst="rect">
+                        <a:avLst/>
+                      </a:prstGeom>
+                      <a:noFill/>
+                      <a:extLst>
+                        <a:ext uri="{909E8E84-426E-40DD-AFC4-6F175D3DCCD1}">
+                          <a14:hiddenFill xmlns:a14="http://schemas.microsoft.com/office/drawing/2010/main">
+                            <a:solidFill>
+                              <a:srgbClr val="FFFFFF"/>
+                            </a:solidFill>
+                          </a14:hiddenFill>
+                        </a:ext>
+                      </a:extLst>
+                    </p:spPr>
+                  </p:pic>
+                </p:oleObj>
+              </mc:Fallback>
+            </mc:AlternateContent>
           </a:graphicData>
         </a:graphic>
       </p:graphicFrame>
@@ -17491,9 +19734,59 @@
         </p:xfrm>
         <a:graphic>
           <a:graphicData uri="http://schemas.openxmlformats.org/presentationml/2006/ole">
-            <p:oleObj spid="_x0000_s6147" name="Clip" r:id="rId4" imgW="845640" imgH="938520" progId="">
-              <p:embed/>
-            </p:oleObj>
+            <mc:AlternateContent xmlns:mc="http://schemas.openxmlformats.org/markup-compatibility/2006">
+              <mc:Choice xmlns:v="urn:schemas-microsoft-com:vml" Requires="v">
+                <p:oleObj spid="_x0000_s6163" name="Clip" r:id="rId5" imgW="845640" imgH="938520" progId="">
+                  <p:embed/>
+                </p:oleObj>
+              </mc:Choice>
+              <mc:Fallback>
+                <p:oleObj name="Clip" r:id="rId5" imgW="845640" imgH="938520" progId="">
+                  <p:embed/>
+                  <p:pic>
+                    <p:nvPicPr>
+                      <p:cNvPr id="0" name="Object 5"/>
+                      <p:cNvPicPr>
+                        <a:picLocks noChangeAspect="1" noChangeArrowheads="1"/>
+                      </p:cNvPicPr>
+                      <p:nvPr/>
+                    </p:nvPicPr>
+                    <p:blipFill>
+                      <a:blip r:embed="rId6">
+                        <a:extLst>
+                          <a:ext uri="{28A0092B-C50C-407E-A947-70E740481C1C}">
+                            <a14:useLocalDpi xmlns:a14="http://schemas.microsoft.com/office/drawing/2010/main" val="0"/>
+                          </a:ext>
+                        </a:extLst>
+                      </a:blip>
+                      <a:srcRect/>
+                      <a:stretch>
+                        <a:fillRect/>
+                      </a:stretch>
+                    </p:blipFill>
+                    <p:spPr bwMode="auto">
+                      <a:xfrm>
+                        <a:off x="179388" y="80963"/>
+                        <a:ext cx="854075" cy="949325"/>
+                      </a:xfrm>
+                      <a:prstGeom prst="rect">
+                        <a:avLst/>
+                      </a:prstGeom>
+                      <a:noFill/>
+                      <a:extLst>
+                        <a:ext uri="{909E8E84-426E-40DD-AFC4-6F175D3DCCD1}">
+                          <a14:hiddenFill xmlns:a14="http://schemas.microsoft.com/office/drawing/2010/main">
+                            <a:solidFill>
+                              <a:srgbClr val="FFFFFF"/>
+                            </a:solidFill>
+                          </a14:hiddenFill>
+                        </a:ext>
+                      </a:extLst>
+                    </p:spPr>
+                  </p:pic>
+                </p:oleObj>
+              </mc:Fallback>
+            </mc:AlternateContent>
           </a:graphicData>
         </a:graphic>
       </p:graphicFrame>
@@ -17571,9 +19864,59 @@
         </p:xfrm>
         <a:graphic>
           <a:graphicData uri="http://schemas.openxmlformats.org/presentationml/2006/ole">
-            <p:oleObj spid="_x0000_s7170" name="Clip" r:id="rId3" imgW="845640" imgH="938520" progId="">
-              <p:embed/>
-            </p:oleObj>
+            <mc:AlternateContent xmlns:mc="http://schemas.openxmlformats.org/markup-compatibility/2006">
+              <mc:Choice xmlns:v="urn:schemas-microsoft-com:vml" Requires="v">
+                <p:oleObj spid="_x0000_s7186" name="Clip" r:id="rId3" imgW="845640" imgH="938520" progId="">
+                  <p:embed/>
+                </p:oleObj>
+              </mc:Choice>
+              <mc:Fallback>
+                <p:oleObj name="Clip" r:id="rId3" imgW="845640" imgH="938520" progId="">
+                  <p:embed/>
+                  <p:pic>
+                    <p:nvPicPr>
+                      <p:cNvPr id="0" name="Object 3"/>
+                      <p:cNvPicPr>
+                        <a:picLocks noChangeAspect="1" noChangeArrowheads="1"/>
+                      </p:cNvPicPr>
+                      <p:nvPr/>
+                    </p:nvPicPr>
+                    <p:blipFill>
+                      <a:blip r:embed="rId4">
+                        <a:extLst>
+                          <a:ext uri="{28A0092B-C50C-407E-A947-70E740481C1C}">
+                            <a14:useLocalDpi xmlns:a14="http://schemas.microsoft.com/office/drawing/2010/main" val="0"/>
+                          </a:ext>
+                        </a:extLst>
+                      </a:blip>
+                      <a:srcRect/>
+                      <a:stretch>
+                        <a:fillRect/>
+                      </a:stretch>
+                    </p:blipFill>
+                    <p:spPr bwMode="auto">
+                      <a:xfrm>
+                        <a:off x="179388" y="80963"/>
+                        <a:ext cx="854075" cy="949325"/>
+                      </a:xfrm>
+                      <a:prstGeom prst="rect">
+                        <a:avLst/>
+                      </a:prstGeom>
+                      <a:noFill/>
+                      <a:extLst>
+                        <a:ext uri="{909E8E84-426E-40DD-AFC4-6F175D3DCCD1}">
+                          <a14:hiddenFill xmlns:a14="http://schemas.microsoft.com/office/drawing/2010/main">
+                            <a:solidFill>
+                              <a:srgbClr val="FFFFFF"/>
+                            </a:solidFill>
+                          </a14:hiddenFill>
+                        </a:ext>
+                      </a:extLst>
+                    </p:spPr>
+                  </p:pic>
+                </p:oleObj>
+              </mc:Fallback>
+            </mc:AlternateContent>
           </a:graphicData>
         </a:graphic>
       </p:graphicFrame>
@@ -17896,9 +20239,59 @@
         </p:xfrm>
         <a:graphic>
           <a:graphicData uri="http://schemas.openxmlformats.org/presentationml/2006/ole">
-            <p:oleObj spid="_x0000_s7171" name="Picture" r:id="rId4" imgW="4500360" imgH="1279440" progId="Word.Picture.8">
-              <p:embed/>
-            </p:oleObj>
+            <mc:AlternateContent xmlns:mc="http://schemas.openxmlformats.org/markup-compatibility/2006">
+              <mc:Choice xmlns:v="urn:schemas-microsoft-com:vml" Requires="v">
+                <p:oleObj spid="_x0000_s7187" name="Picture" r:id="rId5" imgW="4500360" imgH="1279440" progId="Word.Picture.8">
+                  <p:embed/>
+                </p:oleObj>
+              </mc:Choice>
+              <mc:Fallback>
+                <p:oleObj name="Picture" r:id="rId5" imgW="4500360" imgH="1279440" progId="Word.Picture.8">
+                  <p:embed/>
+                  <p:pic>
+                    <p:nvPicPr>
+                      <p:cNvPr id="0" name="Object 6"/>
+                      <p:cNvPicPr>
+                        <a:picLocks noChangeAspect="1" noChangeArrowheads="1"/>
+                      </p:cNvPicPr>
+                      <p:nvPr/>
+                    </p:nvPicPr>
+                    <p:blipFill>
+                      <a:blip r:embed="rId6">
+                        <a:extLst>
+                          <a:ext uri="{28A0092B-C50C-407E-A947-70E740481C1C}">
+                            <a14:useLocalDpi xmlns:a14="http://schemas.microsoft.com/office/drawing/2010/main" val="0"/>
+                          </a:ext>
+                        </a:extLst>
+                      </a:blip>
+                      <a:srcRect/>
+                      <a:stretch>
+                        <a:fillRect/>
+                      </a:stretch>
+                    </p:blipFill>
+                    <p:spPr bwMode="auto">
+                      <a:xfrm>
+                        <a:off x="301625" y="3963988"/>
+                        <a:ext cx="8456613" cy="2616200"/>
+                      </a:xfrm>
+                      <a:prstGeom prst="rect">
+                        <a:avLst/>
+                      </a:prstGeom>
+                      <a:noFill/>
+                      <a:extLst>
+                        <a:ext uri="{909E8E84-426E-40DD-AFC4-6F175D3DCCD1}">
+                          <a14:hiddenFill xmlns:a14="http://schemas.microsoft.com/office/drawing/2010/main">
+                            <a:solidFill>
+                              <a:srgbClr val="FFFFFF"/>
+                            </a:solidFill>
+                          </a14:hiddenFill>
+                        </a:ext>
+                      </a:extLst>
+                    </p:spPr>
+                  </p:pic>
+                </p:oleObj>
+              </mc:Fallback>
+            </mc:AlternateContent>
           </a:graphicData>
         </a:graphic>
       </p:graphicFrame>
